--- a/Etudiants/Corentin/RDP n°2.pptx
+++ b/Etudiants/Corentin/RDP n°2.pptx
@@ -6988,10 +6988,10 @@
       </p:sp>
       <p:pic>
         <p:nvPicPr>
-          <p:cNvPr id="4" name="Image 3">
-            <a:extLst>
-              <a:ext uri="{FF2B5EF4-FFF2-40B4-BE49-F238E27FC236}">
-                <a16:creationId xmlns:a16="http://schemas.microsoft.com/office/drawing/2014/main" id="{9FBD58BF-E732-4DE0-B648-CF5B80638619}"/>
+          <p:cNvPr id="5" name="Image 4">
+            <a:extLst>
+              <a:ext uri="{FF2B5EF4-FFF2-40B4-BE49-F238E27FC236}">
+                <a16:creationId xmlns:a16="http://schemas.microsoft.com/office/drawing/2014/main" id="{EAA37DE2-7A95-4353-A8A5-5B30F8B01226}"/>
               </a:ext>
             </a:extLst>
           </p:cNvPr>
@@ -7008,8 +7008,8 @@
         </p:blipFill>
         <p:spPr>
           <a:xfrm>
-            <a:off x="27768" y="0"/>
-            <a:ext cx="10344839" cy="6828613"/>
+            <a:off x="0" y="0"/>
+            <a:ext cx="9253728" cy="6861924"/>
           </a:xfrm>
           <a:prstGeom prst="rect">
             <a:avLst/>
@@ -7018,10 +7018,10 @@
       </p:pic>
       <p:sp>
         <p:nvSpPr>
-          <p:cNvPr id="16" name="Rectangle : coins arrondis 15">
-            <a:extLst>
-              <a:ext uri="{FF2B5EF4-FFF2-40B4-BE49-F238E27FC236}">
-                <a16:creationId xmlns:a16="http://schemas.microsoft.com/office/drawing/2014/main" id="{372AC98C-FC82-4921-9EEC-C45DBA31F866}"/>
+          <p:cNvPr id="15" name="Rectangle : coins arrondis 14">
+            <a:extLst>
+              <a:ext uri="{FF2B5EF4-FFF2-40B4-BE49-F238E27FC236}">
+                <a16:creationId xmlns:a16="http://schemas.microsoft.com/office/drawing/2014/main" id="{3F317F8D-5E0A-4646-A058-DB9FCA42F520}"/>
               </a:ext>
             </a:extLst>
           </p:cNvPr>
@@ -7030,18 +7030,16 @@
         </p:nvSpPr>
         <p:spPr>
           <a:xfrm>
-            <a:off x="604784" y="395255"/>
-            <a:ext cx="2166357" cy="882702"/>
+            <a:off x="9619488" y="881978"/>
+            <a:ext cx="1252728" cy="694981"/>
           </a:xfrm>
           <a:prstGeom prst="roundRect">
             <a:avLst/>
           </a:prstGeom>
-          <a:noFill/>
-          <a:ln w="57150">
-            <a:solidFill>
-              <a:srgbClr val="FFC000"/>
-            </a:solidFill>
-          </a:ln>
+          <a:solidFill>
+            <a:schemeClr val="bg1"/>
+          </a:solidFill>
+          <a:ln w="57150"/>
         </p:spPr>
         <p:style>
           <a:lnRef idx="2">
@@ -7064,16 +7062,23 @@
           <a:lstStyle/>
           <a:p>
             <a:pPr algn="ctr"/>
-            <a:endParaRPr lang="fr-FR"/>
-          </a:p>
-        </p:txBody>
-      </p:sp>
-      <p:sp>
-        <p:nvSpPr>
-          <p:cNvPr id="17" name="Rectangle : coins arrondis 16">
-            <a:extLst>
-              <a:ext uri="{FF2B5EF4-FFF2-40B4-BE49-F238E27FC236}">
-                <a16:creationId xmlns:a16="http://schemas.microsoft.com/office/drawing/2014/main" id="{5F32B56E-B1DC-4AF6-9BBC-B48C7BDC6540}"/>
+            <a:r>
+              <a:rPr lang="fr-FR" dirty="0">
+                <a:solidFill>
+                  <a:srgbClr val="FF0000"/>
+                </a:solidFill>
+              </a:rPr>
+              <a:t>Joshua</a:t>
+            </a:r>
+          </a:p>
+        </p:txBody>
+      </p:sp>
+      <p:sp>
+        <p:nvSpPr>
+          <p:cNvPr id="27" name="Rectangle : coins arrondis 26">
+            <a:extLst>
+              <a:ext uri="{FF2B5EF4-FFF2-40B4-BE49-F238E27FC236}">
+                <a16:creationId xmlns:a16="http://schemas.microsoft.com/office/drawing/2014/main" id="{A769DE6F-32E2-415A-8EC3-85FE6D8EE6CA}"/>
               </a:ext>
             </a:extLst>
           </p:cNvPr>
@@ -7082,16 +7087,18 @@
         </p:nvSpPr>
         <p:spPr>
           <a:xfrm>
-            <a:off x="3131547" y="395255"/>
-            <a:ext cx="2166357" cy="882702"/>
+            <a:off x="9619488" y="1922124"/>
+            <a:ext cx="1252728" cy="694981"/>
           </a:xfrm>
           <a:prstGeom prst="roundRect">
             <a:avLst/>
           </a:prstGeom>
-          <a:noFill/>
+          <a:solidFill>
+            <a:schemeClr val="bg1"/>
+          </a:solidFill>
           <a:ln w="57150">
             <a:solidFill>
-              <a:srgbClr val="FFC000"/>
+              <a:srgbClr val="FF0000"/>
             </a:solidFill>
           </a:ln>
         </p:spPr>
@@ -7116,16 +7123,23 @@
           <a:lstStyle/>
           <a:p>
             <a:pPr algn="ctr"/>
-            <a:endParaRPr lang="fr-FR"/>
-          </a:p>
-        </p:txBody>
-      </p:sp>
-      <p:sp>
-        <p:nvSpPr>
-          <p:cNvPr id="18" name="Rectangle : coins arrondis 17">
-            <a:extLst>
-              <a:ext uri="{FF2B5EF4-FFF2-40B4-BE49-F238E27FC236}">
-                <a16:creationId xmlns:a16="http://schemas.microsoft.com/office/drawing/2014/main" id="{A13C1241-5A98-4107-841B-D727C8FE63AF}"/>
+            <a:r>
+              <a:rPr lang="fr-FR" dirty="0">
+                <a:solidFill>
+                  <a:srgbClr val="FF0000"/>
+                </a:solidFill>
+              </a:rPr>
+              <a:t>Constantin</a:t>
+            </a:r>
+          </a:p>
+        </p:txBody>
+      </p:sp>
+      <p:sp>
+        <p:nvSpPr>
+          <p:cNvPr id="37" name="Rectangle : coins arrondis 36">
+            <a:extLst>
+              <a:ext uri="{FF2B5EF4-FFF2-40B4-BE49-F238E27FC236}">
+                <a16:creationId xmlns:a16="http://schemas.microsoft.com/office/drawing/2014/main" id="{BEE1F382-C077-47D6-9470-7A9B03E16F1B}"/>
               </a:ext>
             </a:extLst>
           </p:cNvPr>
@@ -7134,16 +7148,18 @@
         </p:nvSpPr>
         <p:spPr>
           <a:xfrm>
-            <a:off x="5613839" y="382942"/>
-            <a:ext cx="2166357" cy="882702"/>
+            <a:off x="9619488" y="2962270"/>
+            <a:ext cx="1252728" cy="694981"/>
           </a:xfrm>
           <a:prstGeom prst="roundRect">
             <a:avLst/>
           </a:prstGeom>
-          <a:noFill/>
+          <a:solidFill>
+            <a:schemeClr val="bg1"/>
+          </a:solidFill>
           <a:ln w="57150">
             <a:solidFill>
-              <a:srgbClr val="FFC000"/>
+              <a:srgbClr val="00B0F0"/>
             </a:solidFill>
           </a:ln>
         </p:spPr>
@@ -7168,16 +7184,23 @@
           <a:lstStyle/>
           <a:p>
             <a:pPr algn="ctr"/>
-            <a:endParaRPr lang="fr-FR"/>
-          </a:p>
-        </p:txBody>
-      </p:sp>
-      <p:sp>
-        <p:nvSpPr>
-          <p:cNvPr id="19" name="Rectangle : coins arrondis 18">
-            <a:extLst>
-              <a:ext uri="{FF2B5EF4-FFF2-40B4-BE49-F238E27FC236}">
-                <a16:creationId xmlns:a16="http://schemas.microsoft.com/office/drawing/2014/main" id="{F2AB9E74-FA81-45E1-8359-D1D2A6B3A99B}"/>
+            <a:r>
+              <a:rPr lang="fr-FR" dirty="0">
+                <a:solidFill>
+                  <a:srgbClr val="FF0000"/>
+                </a:solidFill>
+              </a:rPr>
+              <a:t>Thomas</a:t>
+            </a:r>
+          </a:p>
+        </p:txBody>
+      </p:sp>
+      <p:sp>
+        <p:nvSpPr>
+          <p:cNvPr id="38" name="Rectangle : coins arrondis 37">
+            <a:extLst>
+              <a:ext uri="{FF2B5EF4-FFF2-40B4-BE49-F238E27FC236}">
+                <a16:creationId xmlns:a16="http://schemas.microsoft.com/office/drawing/2014/main" id="{422A1116-351B-41D2-9E22-AA7FF59568F0}"/>
               </a:ext>
             </a:extLst>
           </p:cNvPr>
@@ -7186,112 +7209,8 @@
         </p:nvSpPr>
         <p:spPr>
           <a:xfrm>
-            <a:off x="551850" y="1691389"/>
-            <a:ext cx="2238370" cy="882702"/>
-          </a:xfrm>
-          <a:prstGeom prst="roundRect">
-            <a:avLst/>
-          </a:prstGeom>
-          <a:noFill/>
-          <a:ln w="57150">
-            <a:solidFill>
-              <a:srgbClr val="C00000"/>
-            </a:solidFill>
-          </a:ln>
-        </p:spPr>
-        <p:style>
-          <a:lnRef idx="2">
-            <a:schemeClr val="accent1">
-              <a:shade val="50000"/>
-            </a:schemeClr>
-          </a:lnRef>
-          <a:fillRef idx="1">
-            <a:schemeClr val="accent1"/>
-          </a:fillRef>
-          <a:effectRef idx="0">
-            <a:schemeClr val="accent1"/>
-          </a:effectRef>
-          <a:fontRef idx="minor">
-            <a:schemeClr val="lt1"/>
-          </a:fontRef>
-        </p:style>
-        <p:txBody>
-          <a:bodyPr rtlCol="0" anchor="ctr"/>
-          <a:lstStyle/>
-          <a:p>
-            <a:pPr algn="ctr"/>
-            <a:endParaRPr lang="fr-FR"/>
-          </a:p>
-        </p:txBody>
-      </p:sp>
-      <p:sp>
-        <p:nvSpPr>
-          <p:cNvPr id="20" name="Rectangle : coins arrondis 19">
-            <a:extLst>
-              <a:ext uri="{FF2B5EF4-FFF2-40B4-BE49-F238E27FC236}">
-                <a16:creationId xmlns:a16="http://schemas.microsoft.com/office/drawing/2014/main" id="{B7A37CA5-5A71-4C9E-BC7B-3DBE565F7132}"/>
-              </a:ext>
-            </a:extLst>
-          </p:cNvPr>
-          <p:cNvSpPr/>
-          <p:nvPr/>
-        </p:nvSpPr>
-        <p:spPr>
-          <a:xfrm>
-            <a:off x="3028206" y="1673211"/>
-            <a:ext cx="2256957" cy="882702"/>
-          </a:xfrm>
-          <a:prstGeom prst="roundRect">
-            <a:avLst/>
-          </a:prstGeom>
-          <a:noFill/>
-          <a:ln w="57150">
-            <a:solidFill>
-              <a:srgbClr val="00B0F0"/>
-            </a:solidFill>
-          </a:ln>
-        </p:spPr>
-        <p:style>
-          <a:lnRef idx="2">
-            <a:schemeClr val="accent1">
-              <a:shade val="50000"/>
-            </a:schemeClr>
-          </a:lnRef>
-          <a:fillRef idx="1">
-            <a:schemeClr val="accent1"/>
-          </a:fillRef>
-          <a:effectRef idx="0">
-            <a:schemeClr val="accent1"/>
-          </a:effectRef>
-          <a:fontRef idx="minor">
-            <a:schemeClr val="lt1"/>
-          </a:fontRef>
-        </p:style>
-        <p:txBody>
-          <a:bodyPr rtlCol="0" anchor="ctr"/>
-          <a:lstStyle/>
-          <a:p>
-            <a:pPr algn="ctr"/>
-            <a:endParaRPr lang="fr-FR"/>
-          </a:p>
-        </p:txBody>
-      </p:sp>
-      <p:sp>
-        <p:nvSpPr>
-          <p:cNvPr id="21" name="Rectangle : coins arrondis 20">
-            <a:extLst>
-              <a:ext uri="{FF2B5EF4-FFF2-40B4-BE49-F238E27FC236}">
-                <a16:creationId xmlns:a16="http://schemas.microsoft.com/office/drawing/2014/main" id="{21DEEE32-3D0D-4E4B-B5F5-187C9E691899}"/>
-              </a:ext>
-            </a:extLst>
-          </p:cNvPr>
-          <p:cNvSpPr/>
-          <p:nvPr/>
-        </p:nvSpPr>
-        <p:spPr>
-          <a:xfrm>
-            <a:off x="5567935" y="1673211"/>
-            <a:ext cx="2212261" cy="882702"/>
+            <a:off x="9619488" y="4002416"/>
+            <a:ext cx="1252728" cy="694981"/>
           </a:xfrm>
           <a:prstGeom prst="roundRect">
             <a:avLst/>
@@ -7324,621 +7243,14 @@
           <a:lstStyle/>
           <a:p>
             <a:pPr algn="ctr"/>
-            <a:endParaRPr lang="fr-FR"/>
-          </a:p>
-        </p:txBody>
-      </p:sp>
-      <p:sp>
-        <p:nvSpPr>
-          <p:cNvPr id="22" name="Rectangle : coins arrondis 21">
-            <a:extLst>
-              <a:ext uri="{FF2B5EF4-FFF2-40B4-BE49-F238E27FC236}">
-                <a16:creationId xmlns:a16="http://schemas.microsoft.com/office/drawing/2014/main" id="{8E195BE3-14DF-4CB9-9839-6B5421FCC980}"/>
-              </a:ext>
-            </a:extLst>
-          </p:cNvPr>
-          <p:cNvSpPr/>
-          <p:nvPr/>
-        </p:nvSpPr>
-        <p:spPr>
-          <a:xfrm>
-            <a:off x="587857" y="2963480"/>
-            <a:ext cx="2166357" cy="882702"/>
-          </a:xfrm>
-          <a:prstGeom prst="roundRect">
-            <a:avLst/>
-          </a:prstGeom>
-          <a:noFill/>
-          <a:ln w="57150">
-            <a:solidFill>
-              <a:srgbClr val="00C020"/>
-            </a:solidFill>
-          </a:ln>
-        </p:spPr>
-        <p:style>
-          <a:lnRef idx="2">
-            <a:schemeClr val="accent1">
-              <a:shade val="50000"/>
-            </a:schemeClr>
-          </a:lnRef>
-          <a:fillRef idx="1">
-            <a:schemeClr val="accent1"/>
-          </a:fillRef>
-          <a:effectRef idx="0">
-            <a:schemeClr val="accent1"/>
-          </a:effectRef>
-          <a:fontRef idx="minor">
-            <a:schemeClr val="lt1"/>
-          </a:fontRef>
-        </p:style>
-        <p:txBody>
-          <a:bodyPr rtlCol="0" anchor="ctr"/>
-          <a:lstStyle/>
-          <a:p>
-            <a:pPr algn="ctr"/>
-            <a:endParaRPr lang="fr-FR"/>
-          </a:p>
-        </p:txBody>
-      </p:sp>
-      <p:sp>
-        <p:nvSpPr>
-          <p:cNvPr id="23" name="Rectangle : coins arrondis 22">
-            <a:extLst>
-              <a:ext uri="{FF2B5EF4-FFF2-40B4-BE49-F238E27FC236}">
-                <a16:creationId xmlns:a16="http://schemas.microsoft.com/office/drawing/2014/main" id="{53106CC3-1DB0-4D87-99E1-2046ACBC0126}"/>
-              </a:ext>
-            </a:extLst>
-          </p:cNvPr>
-          <p:cNvSpPr/>
-          <p:nvPr/>
-        </p:nvSpPr>
-        <p:spPr>
-          <a:xfrm>
-            <a:off x="3144286" y="2951167"/>
-            <a:ext cx="2140877" cy="882702"/>
-          </a:xfrm>
-          <a:prstGeom prst="roundRect">
-            <a:avLst/>
-          </a:prstGeom>
-          <a:noFill/>
-          <a:ln w="57150">
-            <a:solidFill>
-              <a:srgbClr val="C00000"/>
-            </a:solidFill>
-          </a:ln>
-        </p:spPr>
-        <p:style>
-          <a:lnRef idx="2">
-            <a:schemeClr val="accent1">
-              <a:shade val="50000"/>
-            </a:schemeClr>
-          </a:lnRef>
-          <a:fillRef idx="1">
-            <a:schemeClr val="accent1"/>
-          </a:fillRef>
-          <a:effectRef idx="0">
-            <a:schemeClr val="accent1"/>
-          </a:effectRef>
-          <a:fontRef idx="minor">
-            <a:schemeClr val="lt1"/>
-          </a:fontRef>
-        </p:style>
-        <p:txBody>
-          <a:bodyPr rtlCol="0" anchor="ctr"/>
-          <a:lstStyle/>
-          <a:p>
-            <a:pPr algn="ctr"/>
-            <a:endParaRPr lang="fr-FR"/>
-          </a:p>
-        </p:txBody>
-      </p:sp>
-      <p:sp>
-        <p:nvSpPr>
-          <p:cNvPr id="24" name="Rectangle : coins arrondis 23">
-            <a:extLst>
-              <a:ext uri="{FF2B5EF4-FFF2-40B4-BE49-F238E27FC236}">
-                <a16:creationId xmlns:a16="http://schemas.microsoft.com/office/drawing/2014/main" id="{A3B46F8C-DC6C-402F-A4F7-1712D912E0CB}"/>
-              </a:ext>
-            </a:extLst>
-          </p:cNvPr>
-          <p:cNvSpPr/>
-          <p:nvPr/>
-        </p:nvSpPr>
-        <p:spPr>
-          <a:xfrm>
-            <a:off x="5603626" y="2963480"/>
-            <a:ext cx="2140877" cy="882702"/>
-          </a:xfrm>
-          <a:prstGeom prst="roundRect">
-            <a:avLst/>
-          </a:prstGeom>
-          <a:noFill/>
-          <a:ln w="57150">
-            <a:solidFill>
-              <a:srgbClr val="00B0F0"/>
-            </a:solidFill>
-          </a:ln>
-        </p:spPr>
-        <p:style>
-          <a:lnRef idx="2">
-            <a:schemeClr val="accent1">
-              <a:shade val="50000"/>
-            </a:schemeClr>
-          </a:lnRef>
-          <a:fillRef idx="1">
-            <a:schemeClr val="accent1"/>
-          </a:fillRef>
-          <a:effectRef idx="0">
-            <a:schemeClr val="accent1"/>
-          </a:effectRef>
-          <a:fontRef idx="minor">
-            <a:schemeClr val="lt1"/>
-          </a:fontRef>
-        </p:style>
-        <p:txBody>
-          <a:bodyPr rtlCol="0" anchor="ctr"/>
-          <a:lstStyle/>
-          <a:p>
-            <a:pPr algn="ctr"/>
-            <a:endParaRPr lang="fr-FR"/>
-          </a:p>
-        </p:txBody>
-      </p:sp>
-      <p:sp>
-        <p:nvSpPr>
-          <p:cNvPr id="25" name="Ellipse 24">
-            <a:extLst>
-              <a:ext uri="{FF2B5EF4-FFF2-40B4-BE49-F238E27FC236}">
-                <a16:creationId xmlns:a16="http://schemas.microsoft.com/office/drawing/2014/main" id="{AB1986CB-775B-4A91-823E-4E0B284343C6}"/>
-              </a:ext>
-            </a:extLst>
-          </p:cNvPr>
-          <p:cNvSpPr/>
-          <p:nvPr/>
-        </p:nvSpPr>
-        <p:spPr>
-          <a:xfrm>
-            <a:off x="8134575" y="3660439"/>
-            <a:ext cx="710363" cy="591019"/>
-          </a:xfrm>
-          <a:prstGeom prst="ellipse">
-            <a:avLst/>
-          </a:prstGeom>
-          <a:noFill/>
-          <a:ln w="57150">
-            <a:solidFill>
-              <a:srgbClr val="C00000"/>
-            </a:solidFill>
-          </a:ln>
-        </p:spPr>
-        <p:style>
-          <a:lnRef idx="2">
-            <a:schemeClr val="accent1">
-              <a:shade val="50000"/>
-            </a:schemeClr>
-          </a:lnRef>
-          <a:fillRef idx="1">
-            <a:schemeClr val="accent1"/>
-          </a:fillRef>
-          <a:effectRef idx="0">
-            <a:schemeClr val="accent1"/>
-          </a:effectRef>
-          <a:fontRef idx="minor">
-            <a:schemeClr val="lt1"/>
-          </a:fontRef>
-        </p:style>
-        <p:txBody>
-          <a:bodyPr rtlCol="0" anchor="ctr"/>
-          <a:lstStyle/>
-          <a:p>
-            <a:pPr algn="ctr"/>
-            <a:endParaRPr lang="fr-FR"/>
-          </a:p>
-        </p:txBody>
-      </p:sp>
-      <p:sp>
-        <p:nvSpPr>
-          <p:cNvPr id="26" name="Flèche : double flèche verticale 25">
-            <a:extLst>
-              <a:ext uri="{FF2B5EF4-FFF2-40B4-BE49-F238E27FC236}">
-                <a16:creationId xmlns:a16="http://schemas.microsoft.com/office/drawing/2014/main" id="{CB0C667A-A3F6-4270-B047-42F99DD81E40}"/>
-              </a:ext>
-            </a:extLst>
-          </p:cNvPr>
-          <p:cNvSpPr/>
-          <p:nvPr/>
-        </p:nvSpPr>
-        <p:spPr>
-          <a:xfrm>
-            <a:off x="8949986" y="3035642"/>
-            <a:ext cx="381297" cy="1943982"/>
-          </a:xfrm>
-          <a:prstGeom prst="upDownArrow">
-            <a:avLst/>
-          </a:prstGeom>
-          <a:solidFill>
-            <a:srgbClr val="C00000"/>
-          </a:solidFill>
-          <a:ln>
-            <a:solidFill>
-              <a:srgbClr val="C00000"/>
-            </a:solidFill>
-          </a:ln>
-        </p:spPr>
-        <p:style>
-          <a:lnRef idx="2">
-            <a:schemeClr val="accent1">
-              <a:shade val="50000"/>
-            </a:schemeClr>
-          </a:lnRef>
-          <a:fillRef idx="1">
-            <a:schemeClr val="accent1"/>
-          </a:fillRef>
-          <a:effectRef idx="0">
-            <a:schemeClr val="accent1"/>
-          </a:effectRef>
-          <a:fontRef idx="minor">
-            <a:schemeClr val="lt1"/>
-          </a:fontRef>
-        </p:style>
-        <p:txBody>
-          <a:bodyPr rtlCol="0" anchor="ctr"/>
-          <a:lstStyle/>
-          <a:p>
-            <a:pPr algn="ctr"/>
-            <a:endParaRPr lang="fr-FR"/>
-          </a:p>
-        </p:txBody>
-      </p:sp>
-      <p:sp>
-        <p:nvSpPr>
-          <p:cNvPr id="29" name="Flèche : virage 28">
-            <a:extLst>
-              <a:ext uri="{FF2B5EF4-FFF2-40B4-BE49-F238E27FC236}">
-                <a16:creationId xmlns:a16="http://schemas.microsoft.com/office/drawing/2014/main" id="{ED0186E8-D260-4CF8-A871-84D9E94F7CB4}"/>
-              </a:ext>
-            </a:extLst>
-          </p:cNvPr>
-          <p:cNvSpPr/>
-          <p:nvPr/>
-        </p:nvSpPr>
-        <p:spPr>
-          <a:xfrm>
-            <a:off x="1699417" y="4359711"/>
-            <a:ext cx="5494596" cy="882702"/>
-          </a:xfrm>
-          <a:prstGeom prst="bentArrow">
-            <a:avLst>
-              <a:gd name="adj1" fmla="val 25000"/>
-              <a:gd name="adj2" fmla="val 22504"/>
-              <a:gd name="adj3" fmla="val 25000"/>
-              <a:gd name="adj4" fmla="val 43750"/>
-            </a:avLst>
-          </a:prstGeom>
-          <a:solidFill>
-            <a:srgbClr val="00B0F0"/>
-          </a:solidFill>
-        </p:spPr>
-        <p:style>
-          <a:lnRef idx="2">
-            <a:schemeClr val="accent1">
-              <a:shade val="50000"/>
-            </a:schemeClr>
-          </a:lnRef>
-          <a:fillRef idx="1">
-            <a:schemeClr val="accent1"/>
-          </a:fillRef>
-          <a:effectRef idx="0">
-            <a:schemeClr val="accent1"/>
-          </a:effectRef>
-          <a:fontRef idx="minor">
-            <a:schemeClr val="lt1"/>
-          </a:fontRef>
-        </p:style>
-        <p:txBody>
-          <a:bodyPr rtlCol="0" anchor="ctr"/>
-          <a:lstStyle/>
-          <a:p>
-            <a:pPr algn="ctr"/>
-            <a:endParaRPr lang="fr-FR">
-              <a:solidFill>
-                <a:schemeClr val="tx1"/>
-              </a:solidFill>
-            </a:endParaRPr>
-          </a:p>
-        </p:txBody>
-      </p:sp>
-      <p:sp>
-        <p:nvSpPr>
-          <p:cNvPr id="30" name="Flèche : angle droit 29">
-            <a:extLst>
-              <a:ext uri="{FF2B5EF4-FFF2-40B4-BE49-F238E27FC236}">
-                <a16:creationId xmlns:a16="http://schemas.microsoft.com/office/drawing/2014/main" id="{7C38EBBF-5B78-4110-8B3E-BD57E04C78A0}"/>
-              </a:ext>
-            </a:extLst>
-          </p:cNvPr>
-          <p:cNvSpPr/>
-          <p:nvPr/>
-        </p:nvSpPr>
-        <p:spPr>
-          <a:xfrm flipH="1">
-            <a:off x="1019459" y="6213528"/>
-            <a:ext cx="8142837" cy="610031"/>
-          </a:xfrm>
-          <a:prstGeom prst="bentUpArrow">
-            <a:avLst>
-              <a:gd name="adj1" fmla="val 22758"/>
-              <a:gd name="adj2" fmla="val 38791"/>
-              <a:gd name="adj3" fmla="val 38450"/>
-            </a:avLst>
-          </a:prstGeom>
-          <a:solidFill>
-            <a:srgbClr val="00C020"/>
-          </a:solidFill>
-          <a:ln>
-            <a:noFill/>
-          </a:ln>
-        </p:spPr>
-        <p:style>
-          <a:lnRef idx="2">
-            <a:schemeClr val="accent1">
-              <a:shade val="50000"/>
-            </a:schemeClr>
-          </a:lnRef>
-          <a:fillRef idx="1">
-            <a:schemeClr val="accent1"/>
-          </a:fillRef>
-          <a:effectRef idx="0">
-            <a:schemeClr val="accent1"/>
-          </a:effectRef>
-          <a:fontRef idx="minor">
-            <a:schemeClr val="lt1"/>
-          </a:fontRef>
-        </p:style>
-        <p:txBody>
-          <a:bodyPr rtlCol="0" anchor="ctr"/>
-          <a:lstStyle/>
-          <a:p>
-            <a:pPr algn="ctr"/>
-            <a:endParaRPr lang="fr-FR"/>
-          </a:p>
-        </p:txBody>
-      </p:sp>
-      <p:sp>
-        <p:nvSpPr>
-          <p:cNvPr id="31" name="Rectangle 30">
-            <a:extLst>
-              <a:ext uri="{FF2B5EF4-FFF2-40B4-BE49-F238E27FC236}">
-                <a16:creationId xmlns:a16="http://schemas.microsoft.com/office/drawing/2014/main" id="{6217E354-BE8A-4EB4-AB3C-2130F97A4560}"/>
-              </a:ext>
-            </a:extLst>
-          </p:cNvPr>
-          <p:cNvSpPr/>
-          <p:nvPr/>
-        </p:nvSpPr>
-        <p:spPr>
-          <a:xfrm flipH="1">
-            <a:off x="9162297" y="6084153"/>
-            <a:ext cx="168987" cy="734353"/>
-          </a:xfrm>
-          <a:prstGeom prst="rect">
-            <a:avLst/>
-          </a:prstGeom>
-          <a:solidFill>
-            <a:srgbClr val="00C020"/>
-          </a:solidFill>
-          <a:ln>
-            <a:noFill/>
-          </a:ln>
-        </p:spPr>
-        <p:style>
-          <a:lnRef idx="2">
-            <a:schemeClr val="accent1">
-              <a:shade val="50000"/>
-            </a:schemeClr>
-          </a:lnRef>
-          <a:fillRef idx="1">
-            <a:schemeClr val="accent1"/>
-          </a:fillRef>
-          <a:effectRef idx="0">
-            <a:schemeClr val="accent1"/>
-          </a:effectRef>
-          <a:fontRef idx="minor">
-            <a:schemeClr val="lt1"/>
-          </a:fontRef>
-        </p:style>
-        <p:txBody>
-          <a:bodyPr rtlCol="0" anchor="ctr"/>
-          <a:lstStyle/>
-          <a:p>
-            <a:pPr algn="ctr"/>
-            <a:endParaRPr lang="fr-FR"/>
-          </a:p>
-        </p:txBody>
-      </p:sp>
-      <p:pic>
-        <p:nvPicPr>
-          <p:cNvPr id="32" name="Image 31">
-            <a:extLst>
-              <a:ext uri="{FF2B5EF4-FFF2-40B4-BE49-F238E27FC236}">
-                <a16:creationId xmlns:a16="http://schemas.microsoft.com/office/drawing/2014/main" id="{4343445E-6AEB-46C2-8F97-80CED441E1A1}"/>
-              </a:ext>
-            </a:extLst>
-          </p:cNvPr>
-          <p:cNvPicPr>
-            <a:picLocks noChangeAspect="1"/>
-          </p:cNvPicPr>
-          <p:nvPr/>
-        </p:nvPicPr>
-        <p:blipFill>
-          <a:blip r:embed="rId3"/>
-          <a:stretch>
-            <a:fillRect/>
-          </a:stretch>
-        </p:blipFill>
-        <p:spPr>
-          <a:xfrm>
-            <a:off x="9562174" y="2832923"/>
-            <a:ext cx="1738081" cy="2298752"/>
-          </a:xfrm>
-          <a:prstGeom prst="rect">
-            <a:avLst/>
-          </a:prstGeom>
-        </p:spPr>
-      </p:pic>
-      <p:sp>
-        <p:nvSpPr>
-          <p:cNvPr id="33" name="Ellipse 32">
-            <a:extLst>
-              <a:ext uri="{FF2B5EF4-FFF2-40B4-BE49-F238E27FC236}">
-                <a16:creationId xmlns:a16="http://schemas.microsoft.com/office/drawing/2014/main" id="{7A795FFD-BDFE-4FF9-B16A-0EADBFB52CF3}"/>
-              </a:ext>
-            </a:extLst>
-          </p:cNvPr>
-          <p:cNvSpPr/>
-          <p:nvPr/>
-        </p:nvSpPr>
-        <p:spPr>
-          <a:xfrm>
-            <a:off x="2478716" y="5691659"/>
-            <a:ext cx="632236" cy="664692"/>
-          </a:xfrm>
-          <a:prstGeom prst="ellipse">
-            <a:avLst/>
-          </a:prstGeom>
-          <a:noFill/>
-          <a:ln w="57150">
-            <a:solidFill>
-              <a:srgbClr val="FFC000"/>
-            </a:solidFill>
-          </a:ln>
-        </p:spPr>
-        <p:style>
-          <a:lnRef idx="2">
-            <a:schemeClr val="accent1">
-              <a:shade val="50000"/>
-            </a:schemeClr>
-          </a:lnRef>
-          <a:fillRef idx="1">
-            <a:schemeClr val="accent1"/>
-          </a:fillRef>
-          <a:effectRef idx="0">
-            <a:schemeClr val="accent1"/>
-          </a:effectRef>
-          <a:fontRef idx="minor">
-            <a:schemeClr val="lt1"/>
-          </a:fontRef>
-        </p:style>
-        <p:txBody>
-          <a:bodyPr rtlCol="0" anchor="ctr"/>
-          <a:lstStyle/>
-          <a:p>
-            <a:pPr algn="ctr"/>
-            <a:endParaRPr lang="fr-FR"/>
-          </a:p>
-        </p:txBody>
-      </p:sp>
-      <p:sp>
-        <p:nvSpPr>
-          <p:cNvPr id="34" name="Ellipse 33">
-            <a:extLst>
-              <a:ext uri="{FF2B5EF4-FFF2-40B4-BE49-F238E27FC236}">
-                <a16:creationId xmlns:a16="http://schemas.microsoft.com/office/drawing/2014/main" id="{556644D9-C8A1-49F8-A8F2-5417E4F72184}"/>
-              </a:ext>
-            </a:extLst>
-          </p:cNvPr>
-          <p:cNvSpPr/>
-          <p:nvPr/>
-        </p:nvSpPr>
-        <p:spPr>
-          <a:xfrm>
-            <a:off x="5504388" y="5486721"/>
-            <a:ext cx="632236" cy="664692"/>
-          </a:xfrm>
-          <a:prstGeom prst="ellipse">
-            <a:avLst/>
-          </a:prstGeom>
-          <a:noFill/>
-          <a:ln w="57150">
-            <a:solidFill>
-              <a:srgbClr val="FFC000"/>
-            </a:solidFill>
-          </a:ln>
-        </p:spPr>
-        <p:style>
-          <a:lnRef idx="2">
-            <a:schemeClr val="accent1">
-              <a:shade val="50000"/>
-            </a:schemeClr>
-          </a:lnRef>
-          <a:fillRef idx="1">
-            <a:schemeClr val="accent1"/>
-          </a:fillRef>
-          <a:effectRef idx="0">
-            <a:schemeClr val="accent1"/>
-          </a:effectRef>
-          <a:fontRef idx="minor">
-            <a:schemeClr val="lt1"/>
-          </a:fontRef>
-        </p:style>
-        <p:txBody>
-          <a:bodyPr rtlCol="0" anchor="ctr"/>
-          <a:lstStyle/>
-          <a:p>
-            <a:pPr algn="ctr"/>
-            <a:endParaRPr lang="fr-FR"/>
-          </a:p>
-        </p:txBody>
-      </p:sp>
-      <p:sp>
-        <p:nvSpPr>
-          <p:cNvPr id="35" name="Ellipse 34">
-            <a:extLst>
-              <a:ext uri="{FF2B5EF4-FFF2-40B4-BE49-F238E27FC236}">
-                <a16:creationId xmlns:a16="http://schemas.microsoft.com/office/drawing/2014/main" id="{82934742-22B1-4E7F-89B5-B0788BE68AC4}"/>
-              </a:ext>
-            </a:extLst>
-          </p:cNvPr>
-          <p:cNvSpPr/>
-          <p:nvPr/>
-        </p:nvSpPr>
-        <p:spPr>
-          <a:xfrm>
-            <a:off x="7350435" y="5287902"/>
-            <a:ext cx="632236" cy="664692"/>
-          </a:xfrm>
-          <a:prstGeom prst="ellipse">
-            <a:avLst/>
-          </a:prstGeom>
-          <a:noFill/>
-          <a:ln w="57150">
-            <a:solidFill>
-              <a:srgbClr val="FFC000"/>
-            </a:solidFill>
-          </a:ln>
-        </p:spPr>
-        <p:style>
-          <a:lnRef idx="2">
-            <a:schemeClr val="accent1">
-              <a:shade val="50000"/>
-            </a:schemeClr>
-          </a:lnRef>
-          <a:fillRef idx="1">
-            <a:schemeClr val="accent1"/>
-          </a:fillRef>
-          <a:effectRef idx="0">
-            <a:schemeClr val="accent1"/>
-          </a:effectRef>
-          <a:fontRef idx="minor">
-            <a:schemeClr val="lt1"/>
-          </a:fontRef>
-        </p:style>
-        <p:txBody>
-          <a:bodyPr rtlCol="0" anchor="ctr"/>
-          <a:lstStyle/>
-          <a:p>
-            <a:pPr algn="ctr"/>
-            <a:endParaRPr lang="fr-FR"/>
+            <a:r>
+              <a:rPr lang="fr-FR" dirty="0">
+                <a:solidFill>
+                  <a:srgbClr val="FF0000"/>
+                </a:solidFill>
+              </a:rPr>
+              <a:t>Corentin</a:t>
+            </a:r>
           </a:p>
         </p:txBody>
       </p:sp>
@@ -7952,278 +7264,6 @@
   <p:clrMapOvr>
     <a:masterClrMapping/>
   </p:clrMapOvr>
-  <p:timing>
-    <p:tnLst>
-      <p:par>
-        <p:cTn id="1" dur="indefinite" restart="never" nodeType="tmRoot">
-          <p:childTnLst>
-            <p:seq concurrent="1" nextAc="seek">
-              <p:cTn id="2" dur="indefinite" nodeType="mainSeq">
-                <p:childTnLst>
-                  <p:par>
-                    <p:cTn id="3" fill="hold">
-                      <p:stCondLst>
-                        <p:cond delay="indefinite"/>
-                      </p:stCondLst>
-                      <p:childTnLst>
-                        <p:par>
-                          <p:cTn id="4" fill="hold">
-                            <p:stCondLst>
-                              <p:cond delay="0"/>
-                            </p:stCondLst>
-                            <p:childTnLst>
-                              <p:par>
-                                <p:cTn id="5" presetID="1" presetClass="entr" presetSubtype="0" fill="hold" grpId="0" nodeType="clickEffect">
-                                  <p:stCondLst>
-                                    <p:cond delay="0"/>
-                                  </p:stCondLst>
-                                  <p:childTnLst>
-                                    <p:set>
-                                      <p:cBhvr>
-                                        <p:cTn id="6" dur="1" fill="hold">
-                                          <p:stCondLst>
-                                            <p:cond delay="0"/>
-                                          </p:stCondLst>
-                                        </p:cTn>
-                                        <p:tgtEl>
-                                          <p:spTgt spid="33"/>
-                                        </p:tgtEl>
-                                        <p:attrNameLst>
-                                          <p:attrName>style.visibility</p:attrName>
-                                        </p:attrNameLst>
-                                      </p:cBhvr>
-                                      <p:to>
-                                        <p:strVal val="visible"/>
-                                      </p:to>
-                                    </p:set>
-                                  </p:childTnLst>
-                                </p:cTn>
-                              </p:par>
-                              <p:par>
-                                <p:cTn id="7" presetID="1" presetClass="entr" presetSubtype="0" fill="hold" grpId="0" nodeType="withEffect">
-                                  <p:stCondLst>
-                                    <p:cond delay="0"/>
-                                  </p:stCondLst>
-                                  <p:childTnLst>
-                                    <p:set>
-                                      <p:cBhvr>
-                                        <p:cTn id="8" dur="1" fill="hold">
-                                          <p:stCondLst>
-                                            <p:cond delay="0"/>
-                                          </p:stCondLst>
-                                        </p:cTn>
-                                        <p:tgtEl>
-                                          <p:spTgt spid="34"/>
-                                        </p:tgtEl>
-                                        <p:attrNameLst>
-                                          <p:attrName>style.visibility</p:attrName>
-                                        </p:attrNameLst>
-                                      </p:cBhvr>
-                                      <p:to>
-                                        <p:strVal val="visible"/>
-                                      </p:to>
-                                    </p:set>
-                                  </p:childTnLst>
-                                </p:cTn>
-                              </p:par>
-                              <p:par>
-                                <p:cTn id="9" presetID="1" presetClass="entr" presetSubtype="0" fill="hold" grpId="0" nodeType="withEffect">
-                                  <p:stCondLst>
-                                    <p:cond delay="0"/>
-                                  </p:stCondLst>
-                                  <p:childTnLst>
-                                    <p:set>
-                                      <p:cBhvr>
-                                        <p:cTn id="10" dur="1" fill="hold">
-                                          <p:stCondLst>
-                                            <p:cond delay="0"/>
-                                          </p:stCondLst>
-                                        </p:cTn>
-                                        <p:tgtEl>
-                                          <p:spTgt spid="35"/>
-                                        </p:tgtEl>
-                                        <p:attrNameLst>
-                                          <p:attrName>style.visibility</p:attrName>
-                                        </p:attrNameLst>
-                                      </p:cBhvr>
-                                      <p:to>
-                                        <p:strVal val="visible"/>
-                                      </p:to>
-                                    </p:set>
-                                  </p:childTnLst>
-                                </p:cTn>
-                              </p:par>
-                            </p:childTnLst>
-                          </p:cTn>
-                        </p:par>
-                      </p:childTnLst>
-                    </p:cTn>
-                  </p:par>
-                  <p:par>
-                    <p:cTn id="11" fill="hold">
-                      <p:stCondLst>
-                        <p:cond delay="indefinite"/>
-                      </p:stCondLst>
-                      <p:childTnLst>
-                        <p:par>
-                          <p:cTn id="12" fill="hold">
-                            <p:stCondLst>
-                              <p:cond delay="0"/>
-                            </p:stCondLst>
-                            <p:childTnLst>
-                              <p:par>
-                                <p:cTn id="13" presetID="1" presetClass="entr" presetSubtype="0" fill="hold" grpId="0" nodeType="clickEffect">
-                                  <p:stCondLst>
-                                    <p:cond delay="0"/>
-                                  </p:stCondLst>
-                                  <p:childTnLst>
-                                    <p:set>
-                                      <p:cBhvr>
-                                        <p:cTn id="14" dur="1" fill="hold">
-                                          <p:stCondLst>
-                                            <p:cond delay="0"/>
-                                          </p:stCondLst>
-                                        </p:cTn>
-                                        <p:tgtEl>
-                                          <p:spTgt spid="26"/>
-                                        </p:tgtEl>
-                                        <p:attrNameLst>
-                                          <p:attrName>style.visibility</p:attrName>
-                                        </p:attrNameLst>
-                                      </p:cBhvr>
-                                      <p:to>
-                                        <p:strVal val="visible"/>
-                                      </p:to>
-                                    </p:set>
-                                  </p:childTnLst>
-                                </p:cTn>
-                              </p:par>
-                            </p:childTnLst>
-                          </p:cTn>
-                        </p:par>
-                      </p:childTnLst>
-                    </p:cTn>
-                  </p:par>
-                  <p:par>
-                    <p:cTn id="15" fill="hold">
-                      <p:stCondLst>
-                        <p:cond delay="indefinite"/>
-                      </p:stCondLst>
-                      <p:childTnLst>
-                        <p:par>
-                          <p:cTn id="16" fill="hold">
-                            <p:stCondLst>
-                              <p:cond delay="0"/>
-                            </p:stCondLst>
-                            <p:childTnLst>
-                              <p:par>
-                                <p:cTn id="17" presetID="1" presetClass="entr" presetSubtype="0" fill="hold" grpId="0" nodeType="clickEffect">
-                                  <p:stCondLst>
-                                    <p:cond delay="0"/>
-                                  </p:stCondLst>
-                                  <p:childTnLst>
-                                    <p:set>
-                                      <p:cBhvr>
-                                        <p:cTn id="18" dur="1" fill="hold">
-                                          <p:stCondLst>
-                                            <p:cond delay="0"/>
-                                          </p:stCondLst>
-                                        </p:cTn>
-                                        <p:tgtEl>
-                                          <p:spTgt spid="29"/>
-                                        </p:tgtEl>
-                                        <p:attrNameLst>
-                                          <p:attrName>style.visibility</p:attrName>
-                                        </p:attrNameLst>
-                                      </p:cBhvr>
-                                      <p:to>
-                                        <p:strVal val="visible"/>
-                                      </p:to>
-                                    </p:set>
-                                  </p:childTnLst>
-                                </p:cTn>
-                              </p:par>
-                            </p:childTnLst>
-                          </p:cTn>
-                        </p:par>
-                      </p:childTnLst>
-                    </p:cTn>
-                  </p:par>
-                  <p:par>
-                    <p:cTn id="19" fill="hold">
-                      <p:stCondLst>
-                        <p:cond delay="indefinite"/>
-                      </p:stCondLst>
-                      <p:childTnLst>
-                        <p:par>
-                          <p:cTn id="20" fill="hold">
-                            <p:stCondLst>
-                              <p:cond delay="0"/>
-                            </p:stCondLst>
-                            <p:childTnLst>
-                              <p:par>
-                                <p:cTn id="21" presetID="1" presetClass="entr" presetSubtype="0" fill="hold" grpId="0" nodeType="clickEffect">
-                                  <p:stCondLst>
-                                    <p:cond delay="0"/>
-                                  </p:stCondLst>
-                                  <p:childTnLst>
-                                    <p:set>
-                                      <p:cBhvr>
-                                        <p:cTn id="22" dur="1" fill="hold">
-                                          <p:stCondLst>
-                                            <p:cond delay="0"/>
-                                          </p:stCondLst>
-                                        </p:cTn>
-                                        <p:tgtEl>
-                                          <p:spTgt spid="30"/>
-                                        </p:tgtEl>
-                                        <p:attrNameLst>
-                                          <p:attrName>style.visibility</p:attrName>
-                                        </p:attrNameLst>
-                                      </p:cBhvr>
-                                      <p:to>
-                                        <p:strVal val="visible"/>
-                                      </p:to>
-                                    </p:set>
-                                  </p:childTnLst>
-                                </p:cTn>
-                              </p:par>
-                            </p:childTnLst>
-                          </p:cTn>
-                        </p:par>
-                      </p:childTnLst>
-                    </p:cTn>
-                  </p:par>
-                </p:childTnLst>
-              </p:cTn>
-              <p:prevCondLst>
-                <p:cond evt="onPrev" delay="0">
-                  <p:tgtEl>
-                    <p:sldTgt/>
-                  </p:tgtEl>
-                </p:cond>
-              </p:prevCondLst>
-              <p:nextCondLst>
-                <p:cond evt="onNext" delay="0">
-                  <p:tgtEl>
-                    <p:sldTgt/>
-                  </p:tgtEl>
-                </p:cond>
-              </p:nextCondLst>
-            </p:seq>
-          </p:childTnLst>
-        </p:cTn>
-      </p:par>
-    </p:tnLst>
-    <p:bldLst>
-      <p:bldP spid="26" grpId="0" animBg="1"/>
-      <p:bldP spid="29" grpId="0" animBg="1"/>
-      <p:bldP spid="30" grpId="0" animBg="1"/>
-      <p:bldP spid="33" grpId="0" animBg="1"/>
-      <p:bldP spid="34" grpId="0" animBg="1"/>
-      <p:bldP spid="35" grpId="0" animBg="1"/>
-    </p:bldLst>
-  </p:timing>
 </p:sld>
 </file>
 
@@ -9996,10 +9036,10 @@
       </p:sp>
       <p:pic>
         <p:nvPicPr>
-          <p:cNvPr id="7" name="Image 6">
-            <a:extLst>
-              <a:ext uri="{FF2B5EF4-FFF2-40B4-BE49-F238E27FC236}">
-                <a16:creationId xmlns:a16="http://schemas.microsoft.com/office/drawing/2014/main" id="{9FBC3A9F-55ED-415F-993F-E3BDD24E854C}"/>
+          <p:cNvPr id="6" name="Image 5">
+            <a:extLst>
+              <a:ext uri="{FF2B5EF4-FFF2-40B4-BE49-F238E27FC236}">
+                <a16:creationId xmlns:a16="http://schemas.microsoft.com/office/drawing/2014/main" id="{002BAF95-7DEF-4A06-9E05-039D8C985346}"/>
               </a:ext>
             </a:extLst>
           </p:cNvPr>
@@ -10016,8 +9056,8 @@
         </p:blipFill>
         <p:spPr>
           <a:xfrm>
-            <a:off x="5282259" y="0"/>
-            <a:ext cx="6070013" cy="6372140"/>
+            <a:off x="5509522" y="0"/>
+            <a:ext cx="5844461" cy="6453627"/>
           </a:xfrm>
           <a:prstGeom prst="rect">
             <a:avLst/>
@@ -10034,6 +9074,81 @@
   <p:clrMapOvr>
     <a:masterClrMapping/>
   </p:clrMapOvr>
+  <p:timing>
+    <p:tnLst>
+      <p:par>
+        <p:cTn id="1" dur="indefinite" restart="never" nodeType="tmRoot">
+          <p:childTnLst>
+            <p:seq concurrent="1" nextAc="seek">
+              <p:cTn id="2" dur="indefinite" nodeType="mainSeq">
+                <p:childTnLst>
+                  <p:par>
+                    <p:cTn id="3" fill="hold">
+                      <p:stCondLst>
+                        <p:cond delay="indefinite"/>
+                      </p:stCondLst>
+                      <p:childTnLst>
+                        <p:par>
+                          <p:cTn id="4" fill="hold">
+                            <p:stCondLst>
+                              <p:cond delay="0"/>
+                            </p:stCondLst>
+                            <p:childTnLst>
+                              <p:par>
+                                <p:cTn id="5" presetID="1" presetClass="entr" presetSubtype="0" fill="hold" nodeType="clickEffect">
+                                  <p:stCondLst>
+                                    <p:cond delay="0"/>
+                                  </p:stCondLst>
+                                  <p:childTnLst>
+                                    <p:set>
+                                      <p:cBhvr>
+                                        <p:cTn id="6" dur="1" fill="hold">
+                                          <p:stCondLst>
+                                            <p:cond delay="0"/>
+                                          </p:stCondLst>
+                                        </p:cTn>
+                                        <p:tgtEl>
+                                          <p:spTgt spid="6"/>
+                                        </p:tgtEl>
+                                        <p:attrNameLst>
+                                          <p:attrName>style.visibility</p:attrName>
+                                        </p:attrNameLst>
+                                      </p:cBhvr>
+                                      <p:to>
+                                        <p:strVal val="visible"/>
+                                      </p:to>
+                                    </p:set>
+                                  </p:childTnLst>
+                                </p:cTn>
+                              </p:par>
+                            </p:childTnLst>
+                          </p:cTn>
+                        </p:par>
+                      </p:childTnLst>
+                    </p:cTn>
+                  </p:par>
+                </p:childTnLst>
+              </p:cTn>
+              <p:prevCondLst>
+                <p:cond evt="onPrev" delay="0">
+                  <p:tgtEl>
+                    <p:sldTgt/>
+                  </p:tgtEl>
+                </p:cond>
+              </p:prevCondLst>
+              <p:nextCondLst>
+                <p:cond evt="onNext" delay="0">
+                  <p:tgtEl>
+                    <p:sldTgt/>
+                  </p:tgtEl>
+                </p:cond>
+              </p:nextCondLst>
+            </p:seq>
+          </p:childTnLst>
+        </p:cTn>
+      </p:par>
+    </p:tnLst>
+  </p:timing>
 </p:sld>
 </file>
 
@@ -10396,10 +9511,7 @@
             </a:r>
           </a:p>
           <a:p>
-            <a:r>
-              <a:rPr lang="fr-FR" dirty="0"/>
-              <a:t>-Une Led témoin</a:t>
-            </a:r>
+            <a:endParaRPr lang="fr-FR" dirty="0"/>
           </a:p>
         </p:txBody>
       </p:sp>
@@ -10894,10 +10006,10 @@
       </p:sp>
       <p:pic>
         <p:nvPicPr>
-          <p:cNvPr id="7" name="Image 6">
-            <a:extLst>
-              <a:ext uri="{FF2B5EF4-FFF2-40B4-BE49-F238E27FC236}">
-                <a16:creationId xmlns:a16="http://schemas.microsoft.com/office/drawing/2014/main" id="{BB80004E-D92A-4831-8399-07BCA4897684}"/>
+          <p:cNvPr id="6" name="Image 5">
+            <a:extLst>
+              <a:ext uri="{FF2B5EF4-FFF2-40B4-BE49-F238E27FC236}">
+                <a16:creationId xmlns:a16="http://schemas.microsoft.com/office/drawing/2014/main" id="{EC6DF2C3-DF98-48A6-B4E1-74884658E0BF}"/>
               </a:ext>
             </a:extLst>
           </p:cNvPr>
@@ -10914,8 +10026,8 @@
         </p:blipFill>
         <p:spPr>
           <a:xfrm>
-            <a:off x="6056372" y="-2102"/>
-            <a:ext cx="5295900" cy="6305550"/>
+            <a:off x="6056372" y="-18035"/>
+            <a:ext cx="5295900" cy="6296025"/>
           </a:xfrm>
           <a:prstGeom prst="rect">
             <a:avLst/>
@@ -10932,6 +10044,81 @@
   <p:clrMapOvr>
     <a:masterClrMapping/>
   </p:clrMapOvr>
+  <p:timing>
+    <p:tnLst>
+      <p:par>
+        <p:cTn id="1" dur="indefinite" restart="never" nodeType="tmRoot">
+          <p:childTnLst>
+            <p:seq concurrent="1" nextAc="seek">
+              <p:cTn id="2" dur="indefinite" nodeType="mainSeq">
+                <p:childTnLst>
+                  <p:par>
+                    <p:cTn id="3" fill="hold">
+                      <p:stCondLst>
+                        <p:cond delay="indefinite"/>
+                      </p:stCondLst>
+                      <p:childTnLst>
+                        <p:par>
+                          <p:cTn id="4" fill="hold">
+                            <p:stCondLst>
+                              <p:cond delay="0"/>
+                            </p:stCondLst>
+                            <p:childTnLst>
+                              <p:par>
+                                <p:cTn id="5" presetID="1" presetClass="entr" presetSubtype="0" fill="hold" nodeType="clickEffect">
+                                  <p:stCondLst>
+                                    <p:cond delay="0"/>
+                                  </p:stCondLst>
+                                  <p:childTnLst>
+                                    <p:set>
+                                      <p:cBhvr>
+                                        <p:cTn id="6" dur="1" fill="hold">
+                                          <p:stCondLst>
+                                            <p:cond delay="0"/>
+                                          </p:stCondLst>
+                                        </p:cTn>
+                                        <p:tgtEl>
+                                          <p:spTgt spid="6"/>
+                                        </p:tgtEl>
+                                        <p:attrNameLst>
+                                          <p:attrName>style.visibility</p:attrName>
+                                        </p:attrNameLst>
+                                      </p:cBhvr>
+                                      <p:to>
+                                        <p:strVal val="visible"/>
+                                      </p:to>
+                                    </p:set>
+                                  </p:childTnLst>
+                                </p:cTn>
+                              </p:par>
+                            </p:childTnLst>
+                          </p:cTn>
+                        </p:par>
+                      </p:childTnLst>
+                    </p:cTn>
+                  </p:par>
+                </p:childTnLst>
+              </p:cTn>
+              <p:prevCondLst>
+                <p:cond evt="onPrev" delay="0">
+                  <p:tgtEl>
+                    <p:sldTgt/>
+                  </p:tgtEl>
+                </p:cond>
+              </p:prevCondLst>
+              <p:nextCondLst>
+                <p:cond evt="onNext" delay="0">
+                  <p:tgtEl>
+                    <p:sldTgt/>
+                  </p:tgtEl>
+                </p:cond>
+              </p:nextCondLst>
+            </p:seq>
+          </p:childTnLst>
+        </p:cTn>
+      </p:par>
+    </p:tnLst>
+  </p:timing>
 </p:sld>
 </file>
 
@@ -11826,6 +11013,65 @@
           </a:p>
         </p:txBody>
       </p:sp>
+      <p:pic>
+        <p:nvPicPr>
+          <p:cNvPr id="7" name="Image 6">
+            <a:extLst>
+              <a:ext uri="{FF2B5EF4-FFF2-40B4-BE49-F238E27FC236}">
+                <a16:creationId xmlns:a16="http://schemas.microsoft.com/office/drawing/2014/main" id="{2427E294-2409-4698-9CEF-813F371195BF}"/>
+              </a:ext>
+            </a:extLst>
+          </p:cNvPr>
+          <p:cNvPicPr>
+            <a:picLocks noChangeAspect="1"/>
+          </p:cNvPicPr>
+          <p:nvPr/>
+        </p:nvPicPr>
+        <p:blipFill>
+          <a:blip r:embed="rId3"/>
+          <a:stretch>
+            <a:fillRect/>
+          </a:stretch>
+        </p:blipFill>
+        <p:spPr>
+          <a:xfrm>
+            <a:off x="4913585" y="12156"/>
+            <a:ext cx="6419540" cy="1884307"/>
+          </a:xfrm>
+          <a:prstGeom prst="rect">
+            <a:avLst/>
+          </a:prstGeom>
+        </p:spPr>
+      </p:pic>
+      <p:pic>
+        <p:nvPicPr>
+          <p:cNvPr id="8" name="Image 7">
+            <a:extLst>
+              <a:ext uri="{FF2B5EF4-FFF2-40B4-BE49-F238E27FC236}">
+                <a16:creationId xmlns:a16="http://schemas.microsoft.com/office/drawing/2014/main" id="{DFF349DC-D687-4760-9D9C-6BF22C328121}"/>
+              </a:ext>
+            </a:extLst>
+          </p:cNvPr>
+          <p:cNvPicPr>
+            <a:picLocks noChangeAspect="1"/>
+          </p:cNvPicPr>
+          <p:nvPr/>
+        </p:nvPicPr>
+        <p:blipFill rotWithShape="1">
+          <a:blip r:embed="rId4"/>
+          <a:srcRect l="50565" t="35133" b="17382"/>
+          <a:stretch/>
+        </p:blipFill>
+        <p:spPr>
+          <a:xfrm>
+            <a:off x="6017172" y="3522806"/>
+            <a:ext cx="4804099" cy="2415333"/>
+          </a:xfrm>
+          <a:prstGeom prst="rect">
+            <a:avLst/>
+          </a:prstGeom>
+        </p:spPr>
+      </p:pic>
     </p:spTree>
     <p:extLst>
       <p:ext uri="{BB962C8B-B14F-4D97-AF65-F5344CB8AC3E}">
@@ -11875,6 +11121,96 @@
                                               <p:pRg st="0" end="0"/>
                                             </p:txEl>
                                           </p:spTgt>
+                                        </p:tgtEl>
+                                        <p:attrNameLst>
+                                          <p:attrName>style.visibility</p:attrName>
+                                        </p:attrNameLst>
+                                      </p:cBhvr>
+                                      <p:to>
+                                        <p:strVal val="visible"/>
+                                      </p:to>
+                                    </p:set>
+                                  </p:childTnLst>
+                                </p:cTn>
+                              </p:par>
+                            </p:childTnLst>
+                          </p:cTn>
+                        </p:par>
+                      </p:childTnLst>
+                    </p:cTn>
+                  </p:par>
+                  <p:par>
+                    <p:cTn id="7" fill="hold">
+                      <p:stCondLst>
+                        <p:cond delay="indefinite"/>
+                      </p:stCondLst>
+                      <p:childTnLst>
+                        <p:par>
+                          <p:cTn id="8" fill="hold">
+                            <p:stCondLst>
+                              <p:cond delay="0"/>
+                            </p:stCondLst>
+                            <p:childTnLst>
+                              <p:par>
+                                <p:cTn id="9" presetID="1" presetClass="entr" presetSubtype="0" fill="hold" nodeType="clickEffect">
+                                  <p:stCondLst>
+                                    <p:cond delay="0"/>
+                                  </p:stCondLst>
+                                  <p:childTnLst>
+                                    <p:set>
+                                      <p:cBhvr>
+                                        <p:cTn id="10" dur="1" fill="hold">
+                                          <p:stCondLst>
+                                            <p:cond delay="0"/>
+                                          </p:stCondLst>
+                                        </p:cTn>
+                                        <p:tgtEl>
+                                          <p:spTgt spid="7"/>
+                                        </p:tgtEl>
+                                        <p:attrNameLst>
+                                          <p:attrName>style.visibility</p:attrName>
+                                        </p:attrNameLst>
+                                      </p:cBhvr>
+                                      <p:to>
+                                        <p:strVal val="visible"/>
+                                      </p:to>
+                                    </p:set>
+                                  </p:childTnLst>
+                                </p:cTn>
+                              </p:par>
+                            </p:childTnLst>
+                          </p:cTn>
+                        </p:par>
+                      </p:childTnLst>
+                    </p:cTn>
+                  </p:par>
+                  <p:par>
+                    <p:cTn id="11" fill="hold">
+                      <p:stCondLst>
+                        <p:cond delay="indefinite"/>
+                      </p:stCondLst>
+                      <p:childTnLst>
+                        <p:par>
+                          <p:cTn id="12" fill="hold">
+                            <p:stCondLst>
+                              <p:cond delay="0"/>
+                            </p:stCondLst>
+                            <p:childTnLst>
+                              <p:par>
+                                <p:cTn id="13" presetID="1" presetClass="entr" presetSubtype="0" fill="hold" nodeType="clickEffect">
+                                  <p:stCondLst>
+                                    <p:cond delay="0"/>
+                                  </p:stCondLst>
+                                  <p:childTnLst>
+                                    <p:set>
+                                      <p:cBhvr>
+                                        <p:cTn id="14" dur="1" fill="hold">
+                                          <p:stCondLst>
+                                            <p:cond delay="0"/>
+                                          </p:stCondLst>
+                                        </p:cTn>
+                                        <p:tgtEl>
+                                          <p:spTgt spid="8"/>
                                         </p:tgtEl>
                                         <p:attrNameLst>
                                           <p:attrName>style.visibility</p:attrName>

--- a/Etudiants/Corentin/RDP n°2.pptx
+++ b/Etudiants/Corentin/RDP n°2.pptx
@@ -205,7 +205,7 @@
           <a:p>
             <a:fld id="{DF58694C-23AD-4650-B8D6-B1F91D7D05B1}" type="datetimeFigureOut">
               <a:rPr lang="fr-FR" smtClean="0"/>
-              <a:t>06/03/2020</a:t>
+              <a:t>10/03/2020</a:t>
             </a:fld>
             <a:endParaRPr lang="fr-FR"/>
           </a:p>
@@ -619,7 +619,7 @@
           <a:p>
             <a:fld id="{E4F7B456-D95B-47DD-85D8-980B608A87F5}" type="datetime1">
               <a:rPr lang="fr-FR" smtClean="0"/>
-              <a:t>06/03/2020</a:t>
+              <a:t>10/03/2020</a:t>
             </a:fld>
             <a:endParaRPr lang="fr-FR"/>
           </a:p>
@@ -820,7 +820,7 @@
           <a:p>
             <a:fld id="{3BE383A3-58C1-4E4C-8271-2D33C1B85A11}" type="datetime1">
               <a:rPr lang="fr-FR" smtClean="0"/>
-              <a:t>06/03/2020</a:t>
+              <a:t>10/03/2020</a:t>
             </a:fld>
             <a:endParaRPr lang="fr-FR"/>
           </a:p>
@@ -1031,7 +1031,7 @@
           <a:p>
             <a:fld id="{9657C936-4966-4098-AADB-3A79286A072F}" type="datetime1">
               <a:rPr lang="fr-FR" smtClean="0"/>
-              <a:t>06/03/2020</a:t>
+              <a:t>10/03/2020</a:t>
             </a:fld>
             <a:endParaRPr lang="fr-FR"/>
           </a:p>
@@ -1232,7 +1232,7 @@
           <a:p>
             <a:fld id="{B616544E-D29A-4146-93F9-36B1ECF943E3}" type="datetime1">
               <a:rPr lang="fr-FR" smtClean="0"/>
-              <a:t>06/03/2020</a:t>
+              <a:t>10/03/2020</a:t>
             </a:fld>
             <a:endParaRPr lang="fr-FR"/>
           </a:p>
@@ -1510,7 +1510,7 @@
           <a:p>
             <a:fld id="{8AB5A178-5A70-4A66-9698-90C7FE000B13}" type="datetime1">
               <a:rPr lang="fr-FR" smtClean="0"/>
-              <a:t>06/03/2020</a:t>
+              <a:t>10/03/2020</a:t>
             </a:fld>
             <a:endParaRPr lang="fr-FR"/>
           </a:p>
@@ -1778,7 +1778,7 @@
           <a:p>
             <a:fld id="{7454423C-F285-489D-AA4A-BBB78B91CB62}" type="datetime1">
               <a:rPr lang="fr-FR" smtClean="0"/>
-              <a:t>06/03/2020</a:t>
+              <a:t>10/03/2020</a:t>
             </a:fld>
             <a:endParaRPr lang="fr-FR"/>
           </a:p>
@@ -2193,7 +2193,7 @@
           <a:p>
             <a:fld id="{58EAFDD7-E246-48D2-A0CF-903CE0A359FC}" type="datetime1">
               <a:rPr lang="fr-FR" smtClean="0"/>
-              <a:t>06/03/2020</a:t>
+              <a:t>10/03/2020</a:t>
             </a:fld>
             <a:endParaRPr lang="fr-FR"/>
           </a:p>
@@ -2337,7 +2337,7 @@
           <a:p>
             <a:fld id="{0455F871-879D-4630-9202-9DCE8AE53DBB}" type="datetime1">
               <a:rPr lang="fr-FR" smtClean="0"/>
-              <a:t>06/03/2020</a:t>
+              <a:t>10/03/2020</a:t>
             </a:fld>
             <a:endParaRPr lang="fr-FR"/>
           </a:p>
@@ -2453,7 +2453,7 @@
           <a:p>
             <a:fld id="{26BC4146-FEA9-4865-84B3-9EC3A08F8027}" type="datetime1">
               <a:rPr lang="fr-FR" smtClean="0"/>
-              <a:t>06/03/2020</a:t>
+              <a:t>10/03/2020</a:t>
             </a:fld>
             <a:endParaRPr lang="fr-FR"/>
           </a:p>
@@ -2767,7 +2767,7 @@
           <a:p>
             <a:fld id="{D763E1B4-BA40-4993-B94F-4B66614E6697}" type="datetime1">
               <a:rPr lang="fr-FR" smtClean="0"/>
-              <a:t>06/03/2020</a:t>
+              <a:t>10/03/2020</a:t>
             </a:fld>
             <a:endParaRPr lang="fr-FR"/>
           </a:p>
@@ -3058,7 +3058,7 @@
           <a:p>
             <a:fld id="{E0D0BC75-8619-4FAB-8157-12FA9E2A5761}" type="datetime1">
               <a:rPr lang="fr-FR" smtClean="0"/>
-              <a:t>06/03/2020</a:t>
+              <a:t>10/03/2020</a:t>
             </a:fld>
             <a:endParaRPr lang="fr-FR"/>
           </a:p>
@@ -3302,7 +3302,7 @@
           <a:p>
             <a:fld id="{EAFCDA6A-9493-444A-A143-F0388B2A6646}" type="datetime1">
               <a:rPr lang="fr-FR" smtClean="0"/>
-              <a:t>06/03/2020</a:t>
+              <a:t>10/03/2020</a:t>
             </a:fld>
             <a:endParaRPr lang="fr-FR"/>
           </a:p>
@@ -4855,6 +4855,463 @@
   <p:clrMapOvr>
     <a:masterClrMapping/>
   </p:clrMapOvr>
+  <p:timing>
+    <p:tnLst>
+      <p:par>
+        <p:cTn id="1" dur="indefinite" restart="never" nodeType="tmRoot">
+          <p:childTnLst>
+            <p:seq concurrent="1" nextAc="seek">
+              <p:cTn id="2" dur="indefinite" nodeType="mainSeq">
+                <p:childTnLst>
+                  <p:par>
+                    <p:cTn id="3" fill="hold">
+                      <p:stCondLst>
+                        <p:cond delay="indefinite"/>
+                      </p:stCondLst>
+                      <p:childTnLst>
+                        <p:par>
+                          <p:cTn id="4" fill="hold">
+                            <p:stCondLst>
+                              <p:cond delay="0"/>
+                            </p:stCondLst>
+                            <p:childTnLst>
+                              <p:par>
+                                <p:cTn id="5" presetID="22" presetClass="entr" presetSubtype="4" fill="hold" nodeType="clickEffect">
+                                  <p:stCondLst>
+                                    <p:cond delay="0"/>
+                                  </p:stCondLst>
+                                  <p:childTnLst>
+                                    <p:set>
+                                      <p:cBhvr>
+                                        <p:cTn id="6" dur="1" fill="hold">
+                                          <p:stCondLst>
+                                            <p:cond delay="0"/>
+                                          </p:stCondLst>
+                                        </p:cTn>
+                                        <p:tgtEl>
+                                          <p:spTgt spid="6">
+                                            <p:txEl>
+                                              <p:pRg st="0" end="0"/>
+                                            </p:txEl>
+                                          </p:spTgt>
+                                        </p:tgtEl>
+                                        <p:attrNameLst>
+                                          <p:attrName>style.visibility</p:attrName>
+                                        </p:attrNameLst>
+                                      </p:cBhvr>
+                                      <p:to>
+                                        <p:strVal val="visible"/>
+                                      </p:to>
+                                    </p:set>
+                                    <p:animEffect transition="in" filter="wipe(down)">
+                                      <p:cBhvr>
+                                        <p:cTn id="7" dur="500"/>
+                                        <p:tgtEl>
+                                          <p:spTgt spid="6">
+                                            <p:txEl>
+                                              <p:pRg st="0" end="0"/>
+                                            </p:txEl>
+                                          </p:spTgt>
+                                        </p:tgtEl>
+                                      </p:cBhvr>
+                                    </p:animEffect>
+                                  </p:childTnLst>
+                                </p:cTn>
+                              </p:par>
+                            </p:childTnLst>
+                          </p:cTn>
+                        </p:par>
+                      </p:childTnLst>
+                    </p:cTn>
+                  </p:par>
+                  <p:par>
+                    <p:cTn id="8" fill="hold">
+                      <p:stCondLst>
+                        <p:cond delay="indefinite"/>
+                      </p:stCondLst>
+                      <p:childTnLst>
+                        <p:par>
+                          <p:cTn id="9" fill="hold">
+                            <p:stCondLst>
+                              <p:cond delay="0"/>
+                            </p:stCondLst>
+                            <p:childTnLst>
+                              <p:par>
+                                <p:cTn id="10" presetID="22" presetClass="entr" presetSubtype="4" fill="hold" nodeType="clickEffect">
+                                  <p:stCondLst>
+                                    <p:cond delay="0"/>
+                                  </p:stCondLst>
+                                  <p:childTnLst>
+                                    <p:set>
+                                      <p:cBhvr>
+                                        <p:cTn id="11" dur="1" fill="hold">
+                                          <p:stCondLst>
+                                            <p:cond delay="0"/>
+                                          </p:stCondLst>
+                                        </p:cTn>
+                                        <p:tgtEl>
+                                          <p:spTgt spid="6">
+                                            <p:txEl>
+                                              <p:pRg st="2" end="2"/>
+                                            </p:txEl>
+                                          </p:spTgt>
+                                        </p:tgtEl>
+                                        <p:attrNameLst>
+                                          <p:attrName>style.visibility</p:attrName>
+                                        </p:attrNameLst>
+                                      </p:cBhvr>
+                                      <p:to>
+                                        <p:strVal val="visible"/>
+                                      </p:to>
+                                    </p:set>
+                                    <p:animEffect transition="in" filter="wipe(down)">
+                                      <p:cBhvr>
+                                        <p:cTn id="12" dur="500"/>
+                                        <p:tgtEl>
+                                          <p:spTgt spid="6">
+                                            <p:txEl>
+                                              <p:pRg st="2" end="2"/>
+                                            </p:txEl>
+                                          </p:spTgt>
+                                        </p:tgtEl>
+                                      </p:cBhvr>
+                                    </p:animEffect>
+                                  </p:childTnLst>
+                                </p:cTn>
+                              </p:par>
+                            </p:childTnLst>
+                          </p:cTn>
+                        </p:par>
+                      </p:childTnLst>
+                    </p:cTn>
+                  </p:par>
+                  <p:par>
+                    <p:cTn id="13" fill="hold">
+                      <p:stCondLst>
+                        <p:cond delay="indefinite"/>
+                      </p:stCondLst>
+                      <p:childTnLst>
+                        <p:par>
+                          <p:cTn id="14" fill="hold">
+                            <p:stCondLst>
+                              <p:cond delay="0"/>
+                            </p:stCondLst>
+                            <p:childTnLst>
+                              <p:par>
+                                <p:cTn id="15" presetID="22" presetClass="entr" presetSubtype="4" fill="hold" nodeType="clickEffect">
+                                  <p:stCondLst>
+                                    <p:cond delay="0"/>
+                                  </p:stCondLst>
+                                  <p:childTnLst>
+                                    <p:set>
+                                      <p:cBhvr>
+                                        <p:cTn id="16" dur="1" fill="hold">
+                                          <p:stCondLst>
+                                            <p:cond delay="0"/>
+                                          </p:stCondLst>
+                                        </p:cTn>
+                                        <p:tgtEl>
+                                          <p:spTgt spid="6">
+                                            <p:txEl>
+                                              <p:pRg st="4" end="4"/>
+                                            </p:txEl>
+                                          </p:spTgt>
+                                        </p:tgtEl>
+                                        <p:attrNameLst>
+                                          <p:attrName>style.visibility</p:attrName>
+                                        </p:attrNameLst>
+                                      </p:cBhvr>
+                                      <p:to>
+                                        <p:strVal val="visible"/>
+                                      </p:to>
+                                    </p:set>
+                                    <p:animEffect transition="in" filter="wipe(down)">
+                                      <p:cBhvr>
+                                        <p:cTn id="17" dur="500"/>
+                                        <p:tgtEl>
+                                          <p:spTgt spid="6">
+                                            <p:txEl>
+                                              <p:pRg st="4" end="4"/>
+                                            </p:txEl>
+                                          </p:spTgt>
+                                        </p:tgtEl>
+                                      </p:cBhvr>
+                                    </p:animEffect>
+                                  </p:childTnLst>
+                                </p:cTn>
+                              </p:par>
+                            </p:childTnLst>
+                          </p:cTn>
+                        </p:par>
+                      </p:childTnLst>
+                    </p:cTn>
+                  </p:par>
+                  <p:par>
+                    <p:cTn id="18" fill="hold">
+                      <p:stCondLst>
+                        <p:cond delay="indefinite"/>
+                      </p:stCondLst>
+                      <p:childTnLst>
+                        <p:par>
+                          <p:cTn id="19" fill="hold">
+                            <p:stCondLst>
+                              <p:cond delay="0"/>
+                            </p:stCondLst>
+                            <p:childTnLst>
+                              <p:par>
+                                <p:cTn id="20" presetID="22" presetClass="entr" presetSubtype="4" fill="hold" nodeType="clickEffect">
+                                  <p:stCondLst>
+                                    <p:cond delay="0"/>
+                                  </p:stCondLst>
+                                  <p:childTnLst>
+                                    <p:set>
+                                      <p:cBhvr>
+                                        <p:cTn id="21" dur="1" fill="hold">
+                                          <p:stCondLst>
+                                            <p:cond delay="0"/>
+                                          </p:stCondLst>
+                                        </p:cTn>
+                                        <p:tgtEl>
+                                          <p:spTgt spid="6">
+                                            <p:txEl>
+                                              <p:pRg st="6" end="6"/>
+                                            </p:txEl>
+                                          </p:spTgt>
+                                        </p:tgtEl>
+                                        <p:attrNameLst>
+                                          <p:attrName>style.visibility</p:attrName>
+                                        </p:attrNameLst>
+                                      </p:cBhvr>
+                                      <p:to>
+                                        <p:strVal val="visible"/>
+                                      </p:to>
+                                    </p:set>
+                                    <p:animEffect transition="in" filter="wipe(down)">
+                                      <p:cBhvr>
+                                        <p:cTn id="22" dur="500"/>
+                                        <p:tgtEl>
+                                          <p:spTgt spid="6">
+                                            <p:txEl>
+                                              <p:pRg st="6" end="6"/>
+                                            </p:txEl>
+                                          </p:spTgt>
+                                        </p:tgtEl>
+                                      </p:cBhvr>
+                                    </p:animEffect>
+                                  </p:childTnLst>
+                                </p:cTn>
+                              </p:par>
+                            </p:childTnLst>
+                          </p:cTn>
+                        </p:par>
+                      </p:childTnLst>
+                    </p:cTn>
+                  </p:par>
+                  <p:par>
+                    <p:cTn id="23" fill="hold">
+                      <p:stCondLst>
+                        <p:cond delay="indefinite"/>
+                      </p:stCondLst>
+                      <p:childTnLst>
+                        <p:par>
+                          <p:cTn id="24" fill="hold">
+                            <p:stCondLst>
+                              <p:cond delay="0"/>
+                            </p:stCondLst>
+                            <p:childTnLst>
+                              <p:par>
+                                <p:cTn id="25" presetID="22" presetClass="entr" presetSubtype="4" fill="hold" nodeType="clickEffect">
+                                  <p:stCondLst>
+                                    <p:cond delay="0"/>
+                                  </p:stCondLst>
+                                  <p:childTnLst>
+                                    <p:set>
+                                      <p:cBhvr>
+                                        <p:cTn id="26" dur="1" fill="hold">
+                                          <p:stCondLst>
+                                            <p:cond delay="0"/>
+                                          </p:stCondLst>
+                                        </p:cTn>
+                                        <p:tgtEl>
+                                          <p:spTgt spid="6">
+                                            <p:txEl>
+                                              <p:pRg st="8" end="8"/>
+                                            </p:txEl>
+                                          </p:spTgt>
+                                        </p:tgtEl>
+                                        <p:attrNameLst>
+                                          <p:attrName>style.visibility</p:attrName>
+                                        </p:attrNameLst>
+                                      </p:cBhvr>
+                                      <p:to>
+                                        <p:strVal val="visible"/>
+                                      </p:to>
+                                    </p:set>
+                                    <p:animEffect transition="in" filter="wipe(down)">
+                                      <p:cBhvr>
+                                        <p:cTn id="27" dur="500"/>
+                                        <p:tgtEl>
+                                          <p:spTgt spid="6">
+                                            <p:txEl>
+                                              <p:pRg st="8" end="8"/>
+                                            </p:txEl>
+                                          </p:spTgt>
+                                        </p:tgtEl>
+                                      </p:cBhvr>
+                                    </p:animEffect>
+                                  </p:childTnLst>
+                                </p:cTn>
+                              </p:par>
+                            </p:childTnLst>
+                          </p:cTn>
+                        </p:par>
+                      </p:childTnLst>
+                    </p:cTn>
+                  </p:par>
+                  <p:par>
+                    <p:cTn id="28" fill="hold">
+                      <p:stCondLst>
+                        <p:cond delay="indefinite"/>
+                      </p:stCondLst>
+                      <p:childTnLst>
+                        <p:par>
+                          <p:cTn id="29" fill="hold">
+                            <p:stCondLst>
+                              <p:cond delay="0"/>
+                            </p:stCondLst>
+                            <p:childTnLst>
+                              <p:par>
+                                <p:cTn id="30" presetID="22" presetClass="entr" presetSubtype="4" fill="hold" nodeType="clickEffect">
+                                  <p:stCondLst>
+                                    <p:cond delay="0"/>
+                                  </p:stCondLst>
+                                  <p:childTnLst>
+                                    <p:set>
+                                      <p:cBhvr>
+                                        <p:cTn id="31" dur="1" fill="hold">
+                                          <p:stCondLst>
+                                            <p:cond delay="0"/>
+                                          </p:stCondLst>
+                                        </p:cTn>
+                                        <p:tgtEl>
+                                          <p:spTgt spid="6">
+                                            <p:txEl>
+                                              <p:pRg st="10" end="10"/>
+                                            </p:txEl>
+                                          </p:spTgt>
+                                        </p:tgtEl>
+                                        <p:attrNameLst>
+                                          <p:attrName>style.visibility</p:attrName>
+                                        </p:attrNameLst>
+                                      </p:cBhvr>
+                                      <p:to>
+                                        <p:strVal val="visible"/>
+                                      </p:to>
+                                    </p:set>
+                                    <p:animEffect transition="in" filter="wipe(down)">
+                                      <p:cBhvr>
+                                        <p:cTn id="32" dur="500"/>
+                                        <p:tgtEl>
+                                          <p:spTgt spid="6">
+                                            <p:txEl>
+                                              <p:pRg st="10" end="10"/>
+                                            </p:txEl>
+                                          </p:spTgt>
+                                        </p:tgtEl>
+                                      </p:cBhvr>
+                                    </p:animEffect>
+                                  </p:childTnLst>
+                                </p:cTn>
+                              </p:par>
+                            </p:childTnLst>
+                          </p:cTn>
+                        </p:par>
+                      </p:childTnLst>
+                    </p:cTn>
+                  </p:par>
+                  <p:par>
+                    <p:cTn id="33" fill="hold">
+                      <p:stCondLst>
+                        <p:cond delay="indefinite"/>
+                      </p:stCondLst>
+                      <p:childTnLst>
+                        <p:par>
+                          <p:cTn id="34" fill="hold">
+                            <p:stCondLst>
+                              <p:cond delay="0"/>
+                            </p:stCondLst>
+                            <p:childTnLst>
+                              <p:par>
+                                <p:cTn id="35" presetID="22" presetClass="entr" presetSubtype="4" fill="hold" nodeType="clickEffect">
+                                  <p:stCondLst>
+                                    <p:cond delay="0"/>
+                                  </p:stCondLst>
+                                  <p:childTnLst>
+                                    <p:set>
+                                      <p:cBhvr>
+                                        <p:cTn id="36" dur="1" fill="hold">
+                                          <p:stCondLst>
+                                            <p:cond delay="0"/>
+                                          </p:stCondLst>
+                                        </p:cTn>
+                                        <p:tgtEl>
+                                          <p:spTgt spid="6">
+                                            <p:txEl>
+                                              <p:pRg st="12" end="12"/>
+                                            </p:txEl>
+                                          </p:spTgt>
+                                        </p:tgtEl>
+                                        <p:attrNameLst>
+                                          <p:attrName>style.visibility</p:attrName>
+                                        </p:attrNameLst>
+                                      </p:cBhvr>
+                                      <p:to>
+                                        <p:strVal val="visible"/>
+                                      </p:to>
+                                    </p:set>
+                                    <p:animEffect transition="in" filter="wipe(down)">
+                                      <p:cBhvr>
+                                        <p:cTn id="37" dur="500"/>
+                                        <p:tgtEl>
+                                          <p:spTgt spid="6">
+                                            <p:txEl>
+                                              <p:pRg st="12" end="12"/>
+                                            </p:txEl>
+                                          </p:spTgt>
+                                        </p:tgtEl>
+                                      </p:cBhvr>
+                                    </p:animEffect>
+                                  </p:childTnLst>
+                                </p:cTn>
+                              </p:par>
+                            </p:childTnLst>
+                          </p:cTn>
+                        </p:par>
+                      </p:childTnLst>
+                    </p:cTn>
+                  </p:par>
+                </p:childTnLst>
+              </p:cTn>
+              <p:prevCondLst>
+                <p:cond evt="onPrev" delay="0">
+                  <p:tgtEl>
+                    <p:sldTgt/>
+                  </p:tgtEl>
+                </p:cond>
+              </p:prevCondLst>
+              <p:nextCondLst>
+                <p:cond evt="onNext" delay="0">
+                  <p:tgtEl>
+                    <p:sldTgt/>
+                  </p:tgtEl>
+                </p:cond>
+              </p:nextCondLst>
+            </p:seq>
+          </p:childTnLst>
+        </p:cTn>
+      </p:par>
+    </p:tnLst>
+  </p:timing>
 </p:sld>
 </file>
 
@@ -6117,6 +6574,222 @@
                                           </p:stCondLst>
                                         </p:cTn>
                                         <p:tgtEl>
+                                          <p:spTgt spid="7"/>
+                                        </p:tgtEl>
+                                        <p:attrNameLst>
+                                          <p:attrName>style.visibility</p:attrName>
+                                        </p:attrNameLst>
+                                      </p:cBhvr>
+                                      <p:to>
+                                        <p:strVal val="visible"/>
+                                      </p:to>
+                                    </p:set>
+                                  </p:childTnLst>
+                                </p:cTn>
+                              </p:par>
+                              <p:par>
+                                <p:cTn id="13" presetID="1" presetClass="entr" presetSubtype="0" fill="hold" grpId="0" nodeType="withEffect">
+                                  <p:stCondLst>
+                                    <p:cond delay="0"/>
+                                  </p:stCondLst>
+                                  <p:childTnLst>
+                                    <p:set>
+                                      <p:cBhvr>
+                                        <p:cTn id="14" dur="1" fill="hold">
+                                          <p:stCondLst>
+                                            <p:cond delay="0"/>
+                                          </p:stCondLst>
+                                        </p:cTn>
+                                        <p:tgtEl>
+                                          <p:spTgt spid="26"/>
+                                        </p:tgtEl>
+                                        <p:attrNameLst>
+                                          <p:attrName>style.visibility</p:attrName>
+                                        </p:attrNameLst>
+                                      </p:cBhvr>
+                                      <p:to>
+                                        <p:strVal val="visible"/>
+                                      </p:to>
+                                    </p:set>
+                                  </p:childTnLst>
+                                </p:cTn>
+                              </p:par>
+                            </p:childTnLst>
+                          </p:cTn>
+                        </p:par>
+                      </p:childTnLst>
+                    </p:cTn>
+                  </p:par>
+                  <p:par>
+                    <p:cTn id="15" fill="hold">
+                      <p:stCondLst>
+                        <p:cond delay="indefinite"/>
+                      </p:stCondLst>
+                      <p:childTnLst>
+                        <p:par>
+                          <p:cTn id="16" fill="hold">
+                            <p:stCondLst>
+                              <p:cond delay="0"/>
+                            </p:stCondLst>
+                            <p:childTnLst>
+                              <p:par>
+                                <p:cTn id="17" presetID="1" presetClass="entr" presetSubtype="0" fill="hold" nodeType="clickEffect">
+                                  <p:stCondLst>
+                                    <p:cond delay="0"/>
+                                  </p:stCondLst>
+                                  <p:childTnLst>
+                                    <p:set>
+                                      <p:cBhvr>
+                                        <p:cTn id="18" dur="1" fill="hold">
+                                          <p:stCondLst>
+                                            <p:cond delay="0"/>
+                                          </p:stCondLst>
+                                        </p:cTn>
+                                        <p:tgtEl>
+                                          <p:spTgt spid="19"/>
+                                        </p:tgtEl>
+                                        <p:attrNameLst>
+                                          <p:attrName>style.visibility</p:attrName>
+                                        </p:attrNameLst>
+                                      </p:cBhvr>
+                                      <p:to>
+                                        <p:strVal val="visible"/>
+                                      </p:to>
+                                    </p:set>
+                                  </p:childTnLst>
+                                </p:cTn>
+                              </p:par>
+                              <p:par>
+                                <p:cTn id="19" presetID="1" presetClass="entr" presetSubtype="0" fill="hold" nodeType="withEffect">
+                                  <p:stCondLst>
+                                    <p:cond delay="0"/>
+                                  </p:stCondLst>
+                                  <p:childTnLst>
+                                    <p:set>
+                                      <p:cBhvr>
+                                        <p:cTn id="20" dur="1" fill="hold">
+                                          <p:stCondLst>
+                                            <p:cond delay="0"/>
+                                          </p:stCondLst>
+                                        </p:cTn>
+                                        <p:tgtEl>
+                                          <p:spTgt spid="22"/>
+                                        </p:tgtEl>
+                                        <p:attrNameLst>
+                                          <p:attrName>style.visibility</p:attrName>
+                                        </p:attrNameLst>
+                                      </p:cBhvr>
+                                      <p:to>
+                                        <p:strVal val="visible"/>
+                                      </p:to>
+                                    </p:set>
+                                  </p:childTnLst>
+                                </p:cTn>
+                              </p:par>
+                            </p:childTnLst>
+                          </p:cTn>
+                        </p:par>
+                      </p:childTnLst>
+                    </p:cTn>
+                  </p:par>
+                  <p:par>
+                    <p:cTn id="21" fill="hold">
+                      <p:stCondLst>
+                        <p:cond delay="indefinite"/>
+                      </p:stCondLst>
+                      <p:childTnLst>
+                        <p:par>
+                          <p:cTn id="22" fill="hold">
+                            <p:stCondLst>
+                              <p:cond delay="0"/>
+                            </p:stCondLst>
+                            <p:childTnLst>
+                              <p:par>
+                                <p:cTn id="23" presetID="1" presetClass="entr" presetSubtype="0" fill="hold" nodeType="clickEffect">
+                                  <p:stCondLst>
+                                    <p:cond delay="0"/>
+                                  </p:stCondLst>
+                                  <p:childTnLst>
+                                    <p:set>
+                                      <p:cBhvr>
+                                        <p:cTn id="24" dur="1" fill="hold">
+                                          <p:stCondLst>
+                                            <p:cond delay="0"/>
+                                          </p:stCondLst>
+                                        </p:cTn>
+                                        <p:tgtEl>
+                                          <p:spTgt spid="20"/>
+                                        </p:tgtEl>
+                                        <p:attrNameLst>
+                                          <p:attrName>style.visibility</p:attrName>
+                                        </p:attrNameLst>
+                                      </p:cBhvr>
+                                      <p:to>
+                                        <p:strVal val="visible"/>
+                                      </p:to>
+                                    </p:set>
+                                  </p:childTnLst>
+                                </p:cTn>
+                              </p:par>
+                              <p:par>
+                                <p:cTn id="25" presetID="1" presetClass="entr" presetSubtype="0" fill="hold" grpId="0" nodeType="withEffect">
+                                  <p:stCondLst>
+                                    <p:cond delay="0"/>
+                                  </p:stCondLst>
+                                  <p:childTnLst>
+                                    <p:set>
+                                      <p:cBhvr>
+                                        <p:cTn id="26" dur="1" fill="hold">
+                                          <p:stCondLst>
+                                            <p:cond delay="0"/>
+                                          </p:stCondLst>
+                                        </p:cTn>
+                                        <p:tgtEl>
+                                          <p:spTgt spid="25"/>
+                                        </p:tgtEl>
+                                        <p:attrNameLst>
+                                          <p:attrName>style.visibility</p:attrName>
+                                        </p:attrNameLst>
+                                      </p:cBhvr>
+                                      <p:to>
+                                        <p:strVal val="visible"/>
+                                      </p:to>
+                                    </p:set>
+                                  </p:childTnLst>
+                                </p:cTn>
+                              </p:par>
+                            </p:childTnLst>
+                          </p:cTn>
+                        </p:par>
+                      </p:childTnLst>
+                    </p:cTn>
+                  </p:par>
+                  <p:par>
+                    <p:cTn id="27" fill="hold">
+                      <p:stCondLst>
+                        <p:cond delay="indefinite"/>
+                      </p:stCondLst>
+                      <p:childTnLst>
+                        <p:par>
+                          <p:cTn id="28" fill="hold">
+                            <p:stCondLst>
+                              <p:cond delay="0"/>
+                            </p:stCondLst>
+                            <p:childTnLst>
+                              <p:par>
+                                <p:cTn id="29" presetID="1" presetClass="entr" presetSubtype="0" fill="hold" nodeType="clickEffect">
+                                  <p:stCondLst>
+                                    <p:cond delay="0"/>
+                                  </p:stCondLst>
+                                  <p:childTnLst>
+                                    <p:set>
+                                      <p:cBhvr>
+                                        <p:cTn id="30" dur="1" fill="hold">
+                                          <p:stCondLst>
+                                            <p:cond delay="0"/>
+                                          </p:stCondLst>
+                                        </p:cTn>
+                                        <p:tgtEl>
                                           <p:spTgt spid="27"/>
                                         </p:tgtEl>
                                         <p:attrNameLst>
@@ -6137,26 +6810,26 @@
                     </p:cTn>
                   </p:par>
                   <p:par>
-                    <p:cTn id="13" fill="hold">
+                    <p:cTn id="31" fill="hold">
                       <p:stCondLst>
                         <p:cond delay="indefinite"/>
                       </p:stCondLst>
                       <p:childTnLst>
                         <p:par>
-                          <p:cTn id="14" fill="hold">
+                          <p:cTn id="32" fill="hold">
                             <p:stCondLst>
                               <p:cond delay="0"/>
                             </p:stCondLst>
                             <p:childTnLst>
                               <p:par>
-                                <p:cTn id="15" presetID="1" presetClass="entr" presetSubtype="0" fill="hold" nodeType="clickEffect">
+                                <p:cTn id="33" presetID="1" presetClass="entr" presetSubtype="0" fill="hold" nodeType="clickEffect">
                                   <p:stCondLst>
                                     <p:cond delay="0"/>
                                   </p:stCondLst>
                                   <p:childTnLst>
                                     <p:set>
                                       <p:cBhvr>
-                                        <p:cTn id="16" dur="1" fill="hold">
+                                        <p:cTn id="34" dur="1" fill="hold">
                                           <p:stCondLst>
                                             <p:cond delay="0"/>
                                           </p:stCondLst>
@@ -6182,235 +6855,19 @@
                     </p:cTn>
                   </p:par>
                   <p:par>
-                    <p:cTn id="17" fill="hold">
+                    <p:cTn id="35" fill="hold">
                       <p:stCondLst>
                         <p:cond delay="indefinite"/>
                       </p:stCondLst>
                       <p:childTnLst>
                         <p:par>
-                          <p:cTn id="18" fill="hold">
+                          <p:cTn id="36" fill="hold">
                             <p:stCondLst>
                               <p:cond delay="0"/>
                             </p:stCondLst>
                             <p:childTnLst>
                               <p:par>
-                                <p:cTn id="19" presetID="1" presetClass="entr" presetSubtype="0" fill="hold" nodeType="clickEffect">
-                                  <p:stCondLst>
-                                    <p:cond delay="0"/>
-                                  </p:stCondLst>
-                                  <p:childTnLst>
-                                    <p:set>
-                                      <p:cBhvr>
-                                        <p:cTn id="20" dur="1" fill="hold">
-                                          <p:stCondLst>
-                                            <p:cond delay="0"/>
-                                          </p:stCondLst>
-                                        </p:cTn>
-                                        <p:tgtEl>
-                                          <p:spTgt spid="19"/>
-                                        </p:tgtEl>
-                                        <p:attrNameLst>
-                                          <p:attrName>style.visibility</p:attrName>
-                                        </p:attrNameLst>
-                                      </p:cBhvr>
-                                      <p:to>
-                                        <p:strVal val="visible"/>
-                                      </p:to>
-                                    </p:set>
-                                  </p:childTnLst>
-                                </p:cTn>
-                              </p:par>
-                              <p:par>
-                                <p:cTn id="21" presetID="1" presetClass="entr" presetSubtype="0" fill="hold" nodeType="withEffect">
-                                  <p:stCondLst>
-                                    <p:cond delay="0"/>
-                                  </p:stCondLst>
-                                  <p:childTnLst>
-                                    <p:set>
-                                      <p:cBhvr>
-                                        <p:cTn id="22" dur="1" fill="hold">
-                                          <p:stCondLst>
-                                            <p:cond delay="0"/>
-                                          </p:stCondLst>
-                                        </p:cTn>
-                                        <p:tgtEl>
-                                          <p:spTgt spid="22"/>
-                                        </p:tgtEl>
-                                        <p:attrNameLst>
-                                          <p:attrName>style.visibility</p:attrName>
-                                        </p:attrNameLst>
-                                      </p:cBhvr>
-                                      <p:to>
-                                        <p:strVal val="visible"/>
-                                      </p:to>
-                                    </p:set>
-                                  </p:childTnLst>
-                                </p:cTn>
-                              </p:par>
-                            </p:childTnLst>
-                          </p:cTn>
-                        </p:par>
-                      </p:childTnLst>
-                    </p:cTn>
-                  </p:par>
-                  <p:par>
-                    <p:cTn id="23" fill="hold">
-                      <p:stCondLst>
-                        <p:cond delay="indefinite"/>
-                      </p:stCondLst>
-                      <p:childTnLst>
-                        <p:par>
-                          <p:cTn id="24" fill="hold">
-                            <p:stCondLst>
-                              <p:cond delay="0"/>
-                            </p:stCondLst>
-                            <p:childTnLst>
-                              <p:par>
-                                <p:cTn id="25" presetID="1" presetClass="entr" presetSubtype="0" fill="hold" nodeType="clickEffect">
-                                  <p:stCondLst>
-                                    <p:cond delay="0"/>
-                                  </p:stCondLst>
-                                  <p:childTnLst>
-                                    <p:set>
-                                      <p:cBhvr>
-                                        <p:cTn id="26" dur="1" fill="hold">
-                                          <p:stCondLst>
-                                            <p:cond delay="0"/>
-                                          </p:stCondLst>
-                                        </p:cTn>
-                                        <p:tgtEl>
-                                          <p:spTgt spid="7"/>
-                                        </p:tgtEl>
-                                        <p:attrNameLst>
-                                          <p:attrName>style.visibility</p:attrName>
-                                        </p:attrNameLst>
-                                      </p:cBhvr>
-                                      <p:to>
-                                        <p:strVal val="visible"/>
-                                      </p:to>
-                                    </p:set>
-                                  </p:childTnLst>
-                                </p:cTn>
-                              </p:par>
-                              <p:par>
-                                <p:cTn id="27" presetID="1" presetClass="entr" presetSubtype="0" fill="hold" grpId="0" nodeType="withEffect">
-                                  <p:stCondLst>
-                                    <p:cond delay="0"/>
-                                  </p:stCondLst>
-                                  <p:childTnLst>
-                                    <p:set>
-                                      <p:cBhvr>
-                                        <p:cTn id="28" dur="1" fill="hold">
-                                          <p:stCondLst>
-                                            <p:cond delay="0"/>
-                                          </p:stCondLst>
-                                        </p:cTn>
-                                        <p:tgtEl>
-                                          <p:spTgt spid="26"/>
-                                        </p:tgtEl>
-                                        <p:attrNameLst>
-                                          <p:attrName>style.visibility</p:attrName>
-                                        </p:attrNameLst>
-                                      </p:cBhvr>
-                                      <p:to>
-                                        <p:strVal val="visible"/>
-                                      </p:to>
-                                    </p:set>
-                                  </p:childTnLst>
-                                </p:cTn>
-                              </p:par>
-                            </p:childTnLst>
-                          </p:cTn>
-                        </p:par>
-                      </p:childTnLst>
-                    </p:cTn>
-                  </p:par>
-                  <p:par>
-                    <p:cTn id="29" fill="hold">
-                      <p:stCondLst>
-                        <p:cond delay="indefinite"/>
-                      </p:stCondLst>
-                      <p:childTnLst>
-                        <p:par>
-                          <p:cTn id="30" fill="hold">
-                            <p:stCondLst>
-                              <p:cond delay="0"/>
-                            </p:stCondLst>
-                            <p:childTnLst>
-                              <p:par>
-                                <p:cTn id="31" presetID="1" presetClass="entr" presetSubtype="0" fill="hold" nodeType="clickEffect">
-                                  <p:stCondLst>
-                                    <p:cond delay="0"/>
-                                  </p:stCondLst>
-                                  <p:childTnLst>
-                                    <p:set>
-                                      <p:cBhvr>
-                                        <p:cTn id="32" dur="1" fill="hold">
-                                          <p:stCondLst>
-                                            <p:cond delay="0"/>
-                                          </p:stCondLst>
-                                        </p:cTn>
-                                        <p:tgtEl>
-                                          <p:spTgt spid="6"/>
-                                        </p:tgtEl>
-                                        <p:attrNameLst>
-                                          <p:attrName>style.visibility</p:attrName>
-                                        </p:attrNameLst>
-                                      </p:cBhvr>
-                                      <p:to>
-                                        <p:strVal val="visible"/>
-                                      </p:to>
-                                    </p:set>
-                                  </p:childTnLst>
-                                </p:cTn>
-                              </p:par>
-                            </p:childTnLst>
-                          </p:cTn>
-                        </p:par>
-                      </p:childTnLst>
-                    </p:cTn>
-                  </p:par>
-                  <p:par>
-                    <p:cTn id="33" fill="hold">
-                      <p:stCondLst>
-                        <p:cond delay="indefinite"/>
-                      </p:stCondLst>
-                      <p:childTnLst>
-                        <p:par>
-                          <p:cTn id="34" fill="hold">
-                            <p:stCondLst>
-                              <p:cond delay="0"/>
-                            </p:stCondLst>
-                            <p:childTnLst>
-                              <p:par>
-                                <p:cTn id="35" presetID="1" presetClass="entr" presetSubtype="0" fill="hold" nodeType="clickEffect">
-                                  <p:stCondLst>
-                                    <p:cond delay="0"/>
-                                  </p:stCondLst>
-                                  <p:childTnLst>
-                                    <p:set>
-                                      <p:cBhvr>
-                                        <p:cTn id="36" dur="1" fill="hold">
-                                          <p:stCondLst>
-                                            <p:cond delay="0"/>
-                                          </p:stCondLst>
-                                        </p:cTn>
-                                        <p:tgtEl>
-                                          <p:spTgt spid="20"/>
-                                        </p:tgtEl>
-                                        <p:attrNameLst>
-                                          <p:attrName>style.visibility</p:attrName>
-                                        </p:attrNameLst>
-                                      </p:cBhvr>
-                                      <p:to>
-                                        <p:strVal val="visible"/>
-                                      </p:to>
-                                    </p:set>
-                                  </p:childTnLst>
-                                </p:cTn>
-                              </p:par>
-                              <p:par>
-                                <p:cTn id="37" presetID="1" presetClass="entr" presetSubtype="0" fill="hold" grpId="0" nodeType="withEffect">
+                                <p:cTn id="37" presetID="1" presetClass="entr" presetSubtype="0" fill="hold" nodeType="clickEffect">
                                   <p:stCondLst>
                                     <p:cond delay="0"/>
                                   </p:stCondLst>
@@ -6423,7 +6880,7 @@
                                           </p:stCondLst>
                                         </p:cTn>
                                         <p:tgtEl>
-                                          <p:spTgt spid="25"/>
+                                          <p:spTgt spid="6"/>
                                         </p:tgtEl>
                                         <p:attrNameLst>
                                           <p:attrName>style.visibility</p:attrName>
@@ -8166,6 +8623,36 @@
           </a:p>
         </p:txBody>
       </p:sp>
+      <p:pic>
+        <p:nvPicPr>
+          <p:cNvPr id="6" name="Image 5">
+            <a:extLst>
+              <a:ext uri="{FF2B5EF4-FFF2-40B4-BE49-F238E27FC236}">
+                <a16:creationId xmlns:a16="http://schemas.microsoft.com/office/drawing/2014/main" id="{16B19F47-D52F-4EE8-B0E8-79E1E0923ED1}"/>
+              </a:ext>
+            </a:extLst>
+          </p:cNvPr>
+          <p:cNvPicPr>
+            <a:picLocks noChangeAspect="1"/>
+          </p:cNvPicPr>
+          <p:nvPr/>
+        </p:nvPicPr>
+        <p:blipFill>
+          <a:blip r:embed="rId3"/>
+          <a:stretch>
+            <a:fillRect/>
+          </a:stretch>
+        </p:blipFill>
+        <p:spPr>
+          <a:xfrm>
+            <a:off x="5187414" y="884275"/>
+            <a:ext cx="6164858" cy="4536990"/>
+          </a:xfrm>
+          <a:prstGeom prst="rect">
+            <a:avLst/>
+          </a:prstGeom>
+        </p:spPr>
+      </p:pic>
     </p:spTree>
     <p:extLst>
       <p:ext uri="{BB962C8B-B14F-4D97-AF65-F5344CB8AC3E}">
@@ -8176,6 +8663,81 @@
   <p:clrMapOvr>
     <a:masterClrMapping/>
   </p:clrMapOvr>
+  <p:timing>
+    <p:tnLst>
+      <p:par>
+        <p:cTn id="1" dur="indefinite" restart="never" nodeType="tmRoot">
+          <p:childTnLst>
+            <p:seq concurrent="1" nextAc="seek">
+              <p:cTn id="2" dur="indefinite" nodeType="mainSeq">
+                <p:childTnLst>
+                  <p:par>
+                    <p:cTn id="3" fill="hold">
+                      <p:stCondLst>
+                        <p:cond delay="indefinite"/>
+                      </p:stCondLst>
+                      <p:childTnLst>
+                        <p:par>
+                          <p:cTn id="4" fill="hold">
+                            <p:stCondLst>
+                              <p:cond delay="0"/>
+                            </p:stCondLst>
+                            <p:childTnLst>
+                              <p:par>
+                                <p:cTn id="5" presetID="1" presetClass="entr" presetSubtype="0" fill="hold" nodeType="clickEffect">
+                                  <p:stCondLst>
+                                    <p:cond delay="0"/>
+                                  </p:stCondLst>
+                                  <p:childTnLst>
+                                    <p:set>
+                                      <p:cBhvr>
+                                        <p:cTn id="6" dur="1" fill="hold">
+                                          <p:stCondLst>
+                                            <p:cond delay="0"/>
+                                          </p:stCondLst>
+                                        </p:cTn>
+                                        <p:tgtEl>
+                                          <p:spTgt spid="6"/>
+                                        </p:tgtEl>
+                                        <p:attrNameLst>
+                                          <p:attrName>style.visibility</p:attrName>
+                                        </p:attrNameLst>
+                                      </p:cBhvr>
+                                      <p:to>
+                                        <p:strVal val="visible"/>
+                                      </p:to>
+                                    </p:set>
+                                  </p:childTnLst>
+                                </p:cTn>
+                              </p:par>
+                            </p:childTnLst>
+                          </p:cTn>
+                        </p:par>
+                      </p:childTnLst>
+                    </p:cTn>
+                  </p:par>
+                </p:childTnLst>
+              </p:cTn>
+              <p:prevCondLst>
+                <p:cond evt="onPrev" delay="0">
+                  <p:tgtEl>
+                    <p:sldTgt/>
+                  </p:tgtEl>
+                </p:cond>
+              </p:prevCondLst>
+              <p:nextCondLst>
+                <p:cond evt="onNext" delay="0">
+                  <p:tgtEl>
+                    <p:sldTgt/>
+                  </p:tgtEl>
+                </p:cond>
+              </p:nextCondLst>
+            </p:seq>
+          </p:childTnLst>
+        </p:cTn>
+      </p:par>
+    </p:tnLst>
+  </p:timing>
 </p:sld>
 </file>
 
@@ -10034,6 +10596,36 @@
           </a:prstGeom>
         </p:spPr>
       </p:pic>
+      <p:pic>
+        <p:nvPicPr>
+          <p:cNvPr id="7" name="Image 6">
+            <a:extLst>
+              <a:ext uri="{FF2B5EF4-FFF2-40B4-BE49-F238E27FC236}">
+                <a16:creationId xmlns:a16="http://schemas.microsoft.com/office/drawing/2014/main" id="{515F9F77-1D9A-43FE-ACDA-5F93997EA1E5}"/>
+              </a:ext>
+            </a:extLst>
+          </p:cNvPr>
+          <p:cNvPicPr>
+            <a:picLocks noChangeAspect="1"/>
+          </p:cNvPicPr>
+          <p:nvPr/>
+        </p:nvPicPr>
+        <p:blipFill>
+          <a:blip r:embed="rId4"/>
+          <a:stretch>
+            <a:fillRect/>
+          </a:stretch>
+        </p:blipFill>
+        <p:spPr>
+          <a:xfrm>
+            <a:off x="5862620" y="-38684"/>
+            <a:ext cx="5491179" cy="6316673"/>
+          </a:xfrm>
+          <a:prstGeom prst="rect">
+            <a:avLst/>
+          </a:prstGeom>
+        </p:spPr>
+      </p:pic>
     </p:spTree>
     <p:extLst>
       <p:ext uri="{BB962C8B-B14F-4D97-AF65-F5344CB8AC3E}">
@@ -10079,6 +10671,51 @@
                                         </p:cTn>
                                         <p:tgtEl>
                                           <p:spTgt spid="6"/>
+                                        </p:tgtEl>
+                                        <p:attrNameLst>
+                                          <p:attrName>style.visibility</p:attrName>
+                                        </p:attrNameLst>
+                                      </p:cBhvr>
+                                      <p:to>
+                                        <p:strVal val="visible"/>
+                                      </p:to>
+                                    </p:set>
+                                  </p:childTnLst>
+                                </p:cTn>
+                              </p:par>
+                            </p:childTnLst>
+                          </p:cTn>
+                        </p:par>
+                      </p:childTnLst>
+                    </p:cTn>
+                  </p:par>
+                  <p:par>
+                    <p:cTn id="7" fill="hold">
+                      <p:stCondLst>
+                        <p:cond delay="indefinite"/>
+                      </p:stCondLst>
+                      <p:childTnLst>
+                        <p:par>
+                          <p:cTn id="8" fill="hold">
+                            <p:stCondLst>
+                              <p:cond delay="0"/>
+                            </p:stCondLst>
+                            <p:childTnLst>
+                              <p:par>
+                                <p:cTn id="9" presetID="1" presetClass="entr" presetSubtype="0" fill="hold" nodeType="clickEffect">
+                                  <p:stCondLst>
+                                    <p:cond delay="0"/>
+                                  </p:stCondLst>
+                                  <p:childTnLst>
+                                    <p:set>
+                                      <p:cBhvr>
+                                        <p:cTn id="10" dur="1" fill="hold">
+                                          <p:stCondLst>
+                                            <p:cond delay="0"/>
+                                          </p:stCondLst>
+                                        </p:cTn>
+                                        <p:tgtEl>
+                                          <p:spTgt spid="7"/>
                                         </p:tgtEl>
                                         <p:attrNameLst>
                                           <p:attrName>style.visibility</p:attrName>
@@ -10174,7 +10811,7 @@
         </p:blipFill>
         <p:spPr>
           <a:xfrm>
-            <a:off x="-1" y="-118902"/>
+            <a:off x="0" y="0"/>
             <a:ext cx="12192000" cy="6855958"/>
           </a:xfrm>
           <a:prstGeom prst="rect">
@@ -11066,6 +11703,66 @@
           <a:xfrm>
             <a:off x="6017172" y="3522806"/>
             <a:ext cx="4804099" cy="2415333"/>
+          </a:xfrm>
+          <a:prstGeom prst="rect">
+            <a:avLst/>
+          </a:prstGeom>
+        </p:spPr>
+      </p:pic>
+      <p:pic>
+        <p:nvPicPr>
+          <p:cNvPr id="18" name="Image 17">
+            <a:extLst>
+              <a:ext uri="{FF2B5EF4-FFF2-40B4-BE49-F238E27FC236}">
+                <a16:creationId xmlns:a16="http://schemas.microsoft.com/office/drawing/2014/main" id="{3337E306-E07E-4D6B-8B69-D7D013A29337}"/>
+              </a:ext>
+            </a:extLst>
+          </p:cNvPr>
+          <p:cNvPicPr>
+            <a:picLocks noChangeAspect="1"/>
+          </p:cNvPicPr>
+          <p:nvPr/>
+        </p:nvPicPr>
+        <p:blipFill>
+          <a:blip r:embed="rId5"/>
+          <a:stretch>
+            <a:fillRect/>
+          </a:stretch>
+        </p:blipFill>
+        <p:spPr>
+          <a:xfrm>
+            <a:off x="9525" y="0"/>
+            <a:ext cx="11323600" cy="6166402"/>
+          </a:xfrm>
+          <a:prstGeom prst="rect">
+            <a:avLst/>
+          </a:prstGeom>
+        </p:spPr>
+      </p:pic>
+      <p:pic>
+        <p:nvPicPr>
+          <p:cNvPr id="19" name="Image 18">
+            <a:extLst>
+              <a:ext uri="{FF2B5EF4-FFF2-40B4-BE49-F238E27FC236}">
+                <a16:creationId xmlns:a16="http://schemas.microsoft.com/office/drawing/2014/main" id="{8A5A6831-A597-4688-A448-C7F5432B7786}"/>
+              </a:ext>
+            </a:extLst>
+          </p:cNvPr>
+          <p:cNvPicPr>
+            <a:picLocks noChangeAspect="1"/>
+          </p:cNvPicPr>
+          <p:nvPr/>
+        </p:nvPicPr>
+        <p:blipFill>
+          <a:blip r:embed="rId6"/>
+          <a:stretch>
+            <a:fillRect/>
+          </a:stretch>
+        </p:blipFill>
+        <p:spPr>
+          <a:xfrm>
+            <a:off x="9525" y="12157"/>
+            <a:ext cx="11342747" cy="6260056"/>
           </a:xfrm>
           <a:prstGeom prst="rect">
             <a:avLst/>
@@ -11211,6 +11908,96 @@
                                         </p:cTn>
                                         <p:tgtEl>
                                           <p:spTgt spid="8"/>
+                                        </p:tgtEl>
+                                        <p:attrNameLst>
+                                          <p:attrName>style.visibility</p:attrName>
+                                        </p:attrNameLst>
+                                      </p:cBhvr>
+                                      <p:to>
+                                        <p:strVal val="visible"/>
+                                      </p:to>
+                                    </p:set>
+                                  </p:childTnLst>
+                                </p:cTn>
+                              </p:par>
+                            </p:childTnLst>
+                          </p:cTn>
+                        </p:par>
+                      </p:childTnLst>
+                    </p:cTn>
+                  </p:par>
+                  <p:par>
+                    <p:cTn id="15" fill="hold">
+                      <p:stCondLst>
+                        <p:cond delay="indefinite"/>
+                      </p:stCondLst>
+                      <p:childTnLst>
+                        <p:par>
+                          <p:cTn id="16" fill="hold">
+                            <p:stCondLst>
+                              <p:cond delay="0"/>
+                            </p:stCondLst>
+                            <p:childTnLst>
+                              <p:par>
+                                <p:cTn id="17" presetID="1" presetClass="entr" presetSubtype="0" fill="hold" nodeType="clickEffect">
+                                  <p:stCondLst>
+                                    <p:cond delay="0"/>
+                                  </p:stCondLst>
+                                  <p:childTnLst>
+                                    <p:set>
+                                      <p:cBhvr>
+                                        <p:cTn id="18" dur="1" fill="hold">
+                                          <p:stCondLst>
+                                            <p:cond delay="0"/>
+                                          </p:stCondLst>
+                                        </p:cTn>
+                                        <p:tgtEl>
+                                          <p:spTgt spid="18"/>
+                                        </p:tgtEl>
+                                        <p:attrNameLst>
+                                          <p:attrName>style.visibility</p:attrName>
+                                        </p:attrNameLst>
+                                      </p:cBhvr>
+                                      <p:to>
+                                        <p:strVal val="visible"/>
+                                      </p:to>
+                                    </p:set>
+                                  </p:childTnLst>
+                                </p:cTn>
+                              </p:par>
+                            </p:childTnLst>
+                          </p:cTn>
+                        </p:par>
+                      </p:childTnLst>
+                    </p:cTn>
+                  </p:par>
+                  <p:par>
+                    <p:cTn id="19" fill="hold">
+                      <p:stCondLst>
+                        <p:cond delay="indefinite"/>
+                      </p:stCondLst>
+                      <p:childTnLst>
+                        <p:par>
+                          <p:cTn id="20" fill="hold">
+                            <p:stCondLst>
+                              <p:cond delay="0"/>
+                            </p:stCondLst>
+                            <p:childTnLst>
+                              <p:par>
+                                <p:cTn id="21" presetID="1" presetClass="entr" presetSubtype="0" fill="hold" nodeType="clickEffect">
+                                  <p:stCondLst>
+                                    <p:cond delay="0"/>
+                                  </p:stCondLst>
+                                  <p:childTnLst>
+                                    <p:set>
+                                      <p:cBhvr>
+                                        <p:cTn id="22" dur="1" fill="hold">
+                                          <p:stCondLst>
+                                            <p:cond delay="0"/>
+                                          </p:stCondLst>
+                                        </p:cTn>
+                                        <p:tgtEl>
+                                          <p:spTgt spid="19"/>
                                         </p:tgtEl>
                                         <p:attrNameLst>
                                           <p:attrName>style.visibility</p:attrName>
